--- a/images/SafePDP.pptx
+++ b/images/SafePDP.pptx
@@ -259,7 +259,7 @@
           <a:p>
             <a:fld id="{F55FCE93-59EC-3141-B5F9-BA2FF6AA285B}" type="datetimeFigureOut">
               <a:rPr lang="en-US" smtClean="0"/>
-              <a:t>6/1/21</a:t>
+              <a:t>6/5/21</a:t>
             </a:fld>
             <a:endParaRPr lang="en-US"/>
           </a:p>
@@ -457,7 +457,7 @@
           <a:p>
             <a:fld id="{F55FCE93-59EC-3141-B5F9-BA2FF6AA285B}" type="datetimeFigureOut">
               <a:rPr lang="en-US" smtClean="0"/>
-              <a:t>6/1/21</a:t>
+              <a:t>6/5/21</a:t>
             </a:fld>
             <a:endParaRPr lang="en-US"/>
           </a:p>
@@ -665,7 +665,7 @@
           <a:p>
             <a:fld id="{F55FCE93-59EC-3141-B5F9-BA2FF6AA285B}" type="datetimeFigureOut">
               <a:rPr lang="en-US" smtClean="0"/>
-              <a:t>6/1/21</a:t>
+              <a:t>6/5/21</a:t>
             </a:fld>
             <a:endParaRPr lang="en-US"/>
           </a:p>
@@ -863,7 +863,7 @@
           <a:p>
             <a:fld id="{F55FCE93-59EC-3141-B5F9-BA2FF6AA285B}" type="datetimeFigureOut">
               <a:rPr lang="en-US" smtClean="0"/>
-              <a:t>6/1/21</a:t>
+              <a:t>6/5/21</a:t>
             </a:fld>
             <a:endParaRPr lang="en-US"/>
           </a:p>
@@ -1138,7 +1138,7 @@
           <a:p>
             <a:fld id="{F55FCE93-59EC-3141-B5F9-BA2FF6AA285B}" type="datetimeFigureOut">
               <a:rPr lang="en-US" smtClean="0"/>
-              <a:t>6/1/21</a:t>
+              <a:t>6/5/21</a:t>
             </a:fld>
             <a:endParaRPr lang="en-US"/>
           </a:p>
@@ -1403,7 +1403,7 @@
           <a:p>
             <a:fld id="{F55FCE93-59EC-3141-B5F9-BA2FF6AA285B}" type="datetimeFigureOut">
               <a:rPr lang="en-US" smtClean="0"/>
-              <a:t>6/1/21</a:t>
+              <a:t>6/5/21</a:t>
             </a:fld>
             <a:endParaRPr lang="en-US"/>
           </a:p>
@@ -1815,7 +1815,7 @@
           <a:p>
             <a:fld id="{F55FCE93-59EC-3141-B5F9-BA2FF6AA285B}" type="datetimeFigureOut">
               <a:rPr lang="en-US" smtClean="0"/>
-              <a:t>6/1/21</a:t>
+              <a:t>6/5/21</a:t>
             </a:fld>
             <a:endParaRPr lang="en-US"/>
           </a:p>
@@ -1956,7 +1956,7 @@
           <a:p>
             <a:fld id="{F55FCE93-59EC-3141-B5F9-BA2FF6AA285B}" type="datetimeFigureOut">
               <a:rPr lang="en-US" smtClean="0"/>
-              <a:t>6/1/21</a:t>
+              <a:t>6/5/21</a:t>
             </a:fld>
             <a:endParaRPr lang="en-US"/>
           </a:p>
@@ -2069,7 +2069,7 @@
           <a:p>
             <a:fld id="{F55FCE93-59EC-3141-B5F9-BA2FF6AA285B}" type="datetimeFigureOut">
               <a:rPr lang="en-US" smtClean="0"/>
-              <a:t>6/1/21</a:t>
+              <a:t>6/5/21</a:t>
             </a:fld>
             <a:endParaRPr lang="en-US"/>
           </a:p>
@@ -2380,7 +2380,7 @@
           <a:p>
             <a:fld id="{F55FCE93-59EC-3141-B5F9-BA2FF6AA285B}" type="datetimeFigureOut">
               <a:rPr lang="en-US" smtClean="0"/>
-              <a:t>6/1/21</a:t>
+              <a:t>6/5/21</a:t>
             </a:fld>
             <a:endParaRPr lang="en-US"/>
           </a:p>
@@ -2668,7 +2668,7 @@
           <a:p>
             <a:fld id="{F55FCE93-59EC-3141-B5F9-BA2FF6AA285B}" type="datetimeFigureOut">
               <a:rPr lang="en-US" smtClean="0"/>
-              <a:t>6/1/21</a:t>
+              <a:t>6/5/21</a:t>
             </a:fld>
             <a:endParaRPr lang="en-US"/>
           </a:p>
@@ -2909,7 +2909,7 @@
           <a:p>
             <a:fld id="{F55FCE93-59EC-3141-B5F9-BA2FF6AA285B}" type="datetimeFigureOut">
               <a:rPr lang="en-US" smtClean="0"/>
-              <a:t>6/1/21</a:t>
+              <a:t>6/5/21</a:t>
             </a:fld>
             <a:endParaRPr lang="en-US"/>
           </a:p>
@@ -3340,8 +3340,8 @@
         </p:nvSpPr>
         <p:spPr>
           <a:xfrm>
-            <a:off x="914399" y="2231569"/>
-            <a:ext cx="3239527" cy="2308040"/>
+            <a:off x="977576" y="2181596"/>
+            <a:ext cx="4098455" cy="2332702"/>
           </a:xfrm>
           <a:prstGeom prst="roundRect">
             <a:avLst/>
@@ -3390,7 +3390,7 @@
         <p:spPr>
           <a:xfrm>
             <a:off x="1061972" y="659995"/>
-            <a:ext cx="2879089" cy="1086008"/>
+            <a:ext cx="3950882" cy="923583"/>
           </a:xfrm>
           <a:prstGeom prst="ellipse">
             <a:avLst/>
@@ -3420,180 +3420,20 @@
       </p:sp>
       <p:sp>
         <p:nvSpPr>
-          <p:cNvPr id="36" name="TextBox 35">
-            <a:extLst>
-              <a:ext uri="{FF2B5EF4-FFF2-40B4-BE49-F238E27FC236}">
-                <a16:creationId xmlns:a16="http://schemas.microsoft.com/office/drawing/2014/main" id="{C6CD2275-F740-7D4F-BE0C-2B3A4E0E064D}"/>
-              </a:ext>
-            </a:extLst>
-          </p:cNvPr>
-          <p:cNvSpPr txBox="1"/>
+          <p:cNvPr id="76" name="Rounded Rectangle 75">
+            <a:extLst>
+              <a:ext uri="{FF2B5EF4-FFF2-40B4-BE49-F238E27FC236}">
+                <a16:creationId xmlns:a16="http://schemas.microsoft.com/office/drawing/2014/main" id="{6923525C-2DBF-0F49-A7CC-FDB7EA8C85ED}"/>
+              </a:ext>
+            </a:extLst>
+          </p:cNvPr>
+          <p:cNvSpPr/>
           <p:nvPr/>
         </p:nvSpPr>
         <p:spPr>
           <a:xfrm>
-            <a:off x="4697234" y="5797269"/>
-            <a:ext cx="65" cy="276999"/>
-          </a:xfrm>
-          <a:prstGeom prst="rect">
-            <a:avLst/>
-          </a:prstGeom>
-          <a:noFill/>
-        </p:spPr>
-        <p:txBody>
-          <a:bodyPr wrap="none" lIns="0" tIns="0" rIns="0" bIns="0" rtlCol="0">
-            <a:spAutoFit/>
-          </a:bodyPr>
-          <a:lstStyle/>
-          <a:p>
-            <a:endParaRPr lang="en-US" dirty="0"/>
-          </a:p>
-        </p:txBody>
-      </p:sp>
-      <mc:AlternateContent xmlns:mc="http://schemas.openxmlformats.org/markup-compatibility/2006">
-        <mc:Choice xmlns:a14="http://schemas.microsoft.com/office/drawing/2010/main" Requires="a14">
-          <p:sp>
-            <p:nvSpPr>
-              <p:cNvPr id="49" name="Google Shape;376;p36">
-                <a:extLst>
-                  <a:ext uri="{FF2B5EF4-FFF2-40B4-BE49-F238E27FC236}">
-                    <a16:creationId xmlns:a16="http://schemas.microsoft.com/office/drawing/2014/main" id="{8F231049-F235-684E-9718-93114B1C758A}"/>
-                  </a:ext>
-                </a:extLst>
-              </p:cNvPr>
-              <p:cNvSpPr/>
-              <p:nvPr/>
-            </p:nvSpPr>
-            <p:spPr>
-              <a:xfrm>
-                <a:off x="3494261" y="540629"/>
-                <a:ext cx="560037" cy="556139"/>
-              </a:xfrm>
-              <a:prstGeom prst="ellipse">
-                <a:avLst/>
-              </a:prstGeom>
-              <a:solidFill>
-                <a:srgbClr val="D9D2E9"/>
-              </a:solidFill>
-              <a:ln w="50800" cap="flat" cmpd="sng">
-                <a:solidFill>
-                  <a:srgbClr val="8E7CC3"/>
-                </a:solidFill>
-                <a:prstDash val="solid"/>
-                <a:round/>
-                <a:headEnd type="none" w="sm" len="sm"/>
-                <a:tailEnd type="none" w="sm" len="sm"/>
-              </a:ln>
-            </p:spPr>
-            <p:txBody>
-              <a:bodyPr spcFirstLastPara="1" wrap="square" lIns="91425" tIns="91425" rIns="91425" bIns="91425" anchor="ctr" anchorCtr="0">
-                <a:noAutofit/>
-              </a:bodyPr>
-              <a:lstStyle/>
-              <a:p>
-                <a:pPr marL="57150" lvl="0" indent="-57150" algn="ctr"/>
-                <a14:m>
-                  <m:oMathPara xmlns:m="http://schemas.openxmlformats.org/officeDocument/2006/math">
-                    <m:oMathParaPr>
-                      <m:jc m:val="centerGroup"/>
-                    </m:oMathParaPr>
-                    <m:oMath xmlns:m="http://schemas.openxmlformats.org/officeDocument/2006/math">
-                      <m:r>
-                        <a:rPr lang="zh-CN" altLang="en-US" sz="3200" b="0" i="1" smtClean="0">
-                          <a:solidFill>
-                            <a:srgbClr val="FF0000"/>
-                          </a:solidFill>
-                          <a:latin typeface="Cambria Math" panose="02040503050406030204" pitchFamily="18" charset="0"/>
-                        </a:rPr>
-                        <m:t> </m:t>
-                      </m:r>
-                      <m:r>
-                        <a:rPr lang="en-US" altLang="zh-CN" sz="3200" b="1" i="1">
-                          <a:solidFill>
-                            <a:srgbClr val="FF0000"/>
-                          </a:solidFill>
-                          <a:latin typeface="Cambria Math" panose="02040503050406030204" pitchFamily="18" charset="0"/>
-                        </a:rPr>
-                        <m:t>𝜽</m:t>
-                      </m:r>
-                    </m:oMath>
-                  </m:oMathPara>
-                </a14:m>
-                <a:endParaRPr sz="2800" b="1" dirty="0"/>
-              </a:p>
-            </p:txBody>
-          </p:sp>
-        </mc:Choice>
-        <mc:Fallback>
-          <p:sp>
-            <p:nvSpPr>
-              <p:cNvPr id="49" name="Google Shape;376;p36">
-                <a:extLst>
-                  <a:ext uri="{FF2B5EF4-FFF2-40B4-BE49-F238E27FC236}">
-                    <a16:creationId xmlns:a16="http://schemas.microsoft.com/office/drawing/2014/main" id="{8F231049-F235-684E-9718-93114B1C758A}"/>
-                  </a:ext>
-                </a:extLst>
-              </p:cNvPr>
-              <p:cNvSpPr>
-                <a:spLocks noRot="1" noChangeAspect="1" noMove="1" noResize="1" noEditPoints="1" noAdjustHandles="1" noChangeArrowheads="1" noChangeShapeType="1" noTextEdit="1"/>
-              </p:cNvSpPr>
-              <p:nvPr/>
-            </p:nvSpPr>
-            <p:spPr>
-              <a:xfrm>
-                <a:off x="3494261" y="540629"/>
-                <a:ext cx="560037" cy="556139"/>
-              </a:xfrm>
-              <a:prstGeom prst="ellipse">
-                <a:avLst/>
-              </a:prstGeom>
-              <a:blipFill>
-                <a:blip r:embed="rId2"/>
-                <a:stretch>
-                  <a:fillRect l="-16327" b="-20408"/>
-                </a:stretch>
-              </a:blipFill>
-              <a:ln w="50800" cap="flat" cmpd="sng">
-                <a:solidFill>
-                  <a:srgbClr val="8E7CC3"/>
-                </a:solidFill>
-                <a:prstDash val="solid"/>
-                <a:round/>
-                <a:headEnd type="none" w="sm" len="sm"/>
-                <a:tailEnd type="none" w="sm" len="sm"/>
-              </a:ln>
-            </p:spPr>
-            <p:txBody>
-              <a:bodyPr/>
-              <a:lstStyle/>
-              <a:p>
-                <a:r>
-                  <a:rPr lang="en-US">
-                    <a:noFill/>
-                  </a:rPr>
-                  <a:t> </a:t>
-                </a:r>
-              </a:p>
-            </p:txBody>
-          </p:sp>
-        </mc:Fallback>
-      </mc:AlternateContent>
-      <p:sp>
-        <p:nvSpPr>
-          <p:cNvPr id="76" name="Rounded Rectangle 75">
-            <a:extLst>
-              <a:ext uri="{FF2B5EF4-FFF2-40B4-BE49-F238E27FC236}">
-                <a16:creationId xmlns:a16="http://schemas.microsoft.com/office/drawing/2014/main" id="{6923525C-2DBF-0F49-A7CC-FDB7EA8C85ED}"/>
-              </a:ext>
-            </a:extLst>
-          </p:cNvPr>
-          <p:cNvSpPr/>
-          <p:nvPr/>
-        </p:nvSpPr>
-        <p:spPr>
-          <a:xfrm>
-            <a:off x="1467913" y="2511209"/>
-            <a:ext cx="2066203" cy="694732"/>
+            <a:off x="1563736" y="2369952"/>
+            <a:ext cx="2850454" cy="835989"/>
           </a:xfrm>
           <a:prstGeom prst="roundRect">
             <a:avLst>
@@ -3615,7 +3455,16 @@
           <a:p>
             <a:pPr algn="ctr"/>
             <a:r>
-              <a:rPr lang="en-US" altLang="zh-CN" sz="2800" b="1" dirty="0">
+              <a:rPr lang="zh-CN" altLang="en-US" sz="4000" b="1" dirty="0">
+                <a:latin typeface="Helvetica" pitchFamily="2" charset="0"/>
+                <a:ea typeface="Proxima Nova"/>
+                <a:cs typeface="Proxima Nova"/>
+                <a:sym typeface="Proxima Nova"/>
+              </a:rPr>
+              <a:t> </a:t>
+            </a:r>
+            <a:r>
+              <a:rPr lang="en-US" altLang="zh-CN" sz="4000" b="1" dirty="0">
                 <a:latin typeface="Helvetica" pitchFamily="2" charset="0"/>
                 <a:ea typeface="Proxima Nova"/>
                 <a:cs typeface="Proxima Nova"/>
@@ -3623,7 +3472,7 @@
               </a:rPr>
               <a:t>Dynamics</a:t>
             </a:r>
-            <a:endParaRPr lang="en-US" sz="2800" b="1" dirty="0">
+            <a:endParaRPr lang="en-US" sz="3000" b="1" dirty="0">
               <a:latin typeface="Helvetica" pitchFamily="2" charset="0"/>
               <a:ea typeface="Proxima Nova"/>
               <a:cs typeface="Proxima Nova"/>
@@ -3646,8 +3495,8 @@
         </p:nvSpPr>
         <p:spPr>
           <a:xfrm>
-            <a:off x="1463527" y="3473979"/>
-            <a:ext cx="2070589" cy="694732"/>
+            <a:off x="1641977" y="3512752"/>
+            <a:ext cx="2679264" cy="835989"/>
           </a:xfrm>
           <a:prstGeom prst="roundRect">
             <a:avLst>
@@ -3669,153 +3518,25 @@
           <a:p>
             <a:pPr algn="ctr"/>
             <a:r>
-              <a:rPr lang="en-US" altLang="zh-CN" sz="2800" b="1" dirty="0">
+              <a:rPr lang="en-US" altLang="zh-CN" sz="4000" b="1" dirty="0">
                 <a:latin typeface="Helvetica" pitchFamily="2" charset="0"/>
                 <a:sym typeface="Proxima Nova"/>
               </a:rPr>
               <a:t>Policy</a:t>
             </a:r>
-            <a:endParaRPr lang="en-US" sz="2800" b="1" dirty="0">
+            <a:endParaRPr lang="en-US" sz="4000" b="1" dirty="0">
               <a:latin typeface="Helvetica" pitchFamily="2" charset="0"/>
               <a:sym typeface="Proxima Nova"/>
             </a:endParaRPr>
           </a:p>
         </p:txBody>
       </p:sp>
-      <mc:AlternateContent xmlns:mc="http://schemas.openxmlformats.org/markup-compatibility/2006">
-        <mc:Choice xmlns:a14="http://schemas.microsoft.com/office/drawing/2010/main" Requires="a14">
-          <p:sp>
-            <p:nvSpPr>
-              <p:cNvPr id="79" name="Google Shape;376;p36">
-                <a:extLst>
-                  <a:ext uri="{FF2B5EF4-FFF2-40B4-BE49-F238E27FC236}">
-                    <a16:creationId xmlns:a16="http://schemas.microsoft.com/office/drawing/2014/main" id="{AC18AA97-EAB3-4E48-8662-B65D58154EBE}"/>
-                  </a:ext>
-                </a:extLst>
-              </p:cNvPr>
-              <p:cNvSpPr/>
-              <p:nvPr/>
-            </p:nvSpPr>
-            <p:spPr>
-              <a:xfrm>
-                <a:off x="3381954" y="2336568"/>
-                <a:ext cx="584802" cy="542669"/>
-              </a:xfrm>
-              <a:prstGeom prst="ellipse">
-                <a:avLst/>
-              </a:prstGeom>
-              <a:solidFill>
-                <a:srgbClr val="D9D2E9"/>
-              </a:solidFill>
-              <a:ln w="50800" cap="flat" cmpd="sng">
-                <a:solidFill>
-                  <a:srgbClr val="8E7CC3"/>
-                </a:solidFill>
-                <a:prstDash val="solid"/>
-                <a:round/>
-                <a:headEnd type="none" w="sm" len="sm"/>
-                <a:tailEnd type="none" w="sm" len="sm"/>
-              </a:ln>
-            </p:spPr>
-            <p:txBody>
-              <a:bodyPr spcFirstLastPara="1" wrap="square" lIns="91425" tIns="91425" rIns="91425" bIns="91425" anchor="ctr" anchorCtr="0">
-                <a:noAutofit/>
-              </a:bodyPr>
-              <a:lstStyle/>
-              <a:p>
-                <a:pPr marL="57150" lvl="0" indent="-57150" algn="ctr"/>
-                <a14:m>
-                  <m:oMathPara xmlns:m="http://schemas.openxmlformats.org/officeDocument/2006/math">
-                    <m:oMathParaPr>
-                      <m:jc m:val="centerGroup"/>
-                    </m:oMathParaPr>
-                    <m:oMath xmlns:m="http://schemas.openxmlformats.org/officeDocument/2006/math">
-                      <m:r>
-                        <a:rPr lang="zh-CN" altLang="en-US" sz="3200" b="0" i="1" smtClean="0">
-                          <a:solidFill>
-                            <a:srgbClr val="FF0000"/>
-                          </a:solidFill>
-                          <a:latin typeface="Cambria Math" panose="02040503050406030204" pitchFamily="18" charset="0"/>
-                        </a:rPr>
-                        <m:t> </m:t>
-                      </m:r>
-                      <m:r>
-                        <a:rPr lang="en-US" altLang="zh-CN" sz="3200" b="1" i="1">
-                          <a:solidFill>
-                            <a:srgbClr val="FF0000"/>
-                          </a:solidFill>
-                          <a:latin typeface="Cambria Math" panose="02040503050406030204" pitchFamily="18" charset="0"/>
-                        </a:rPr>
-                        <m:t>𝜽</m:t>
-                      </m:r>
-                    </m:oMath>
-                  </m:oMathPara>
-                </a14:m>
-                <a:endParaRPr sz="2800" b="1" dirty="0"/>
-              </a:p>
-            </p:txBody>
-          </p:sp>
-        </mc:Choice>
-        <mc:Fallback>
-          <p:sp>
-            <p:nvSpPr>
-              <p:cNvPr id="79" name="Google Shape;376;p36">
-                <a:extLst>
-                  <a:ext uri="{FF2B5EF4-FFF2-40B4-BE49-F238E27FC236}">
-                    <a16:creationId xmlns:a16="http://schemas.microsoft.com/office/drawing/2014/main" id="{AC18AA97-EAB3-4E48-8662-B65D58154EBE}"/>
-                  </a:ext>
-                </a:extLst>
-              </p:cNvPr>
-              <p:cNvSpPr>
-                <a:spLocks noRot="1" noChangeAspect="1" noMove="1" noResize="1" noEditPoints="1" noAdjustHandles="1" noChangeArrowheads="1" noChangeShapeType="1" noTextEdit="1"/>
-              </p:cNvSpPr>
-              <p:nvPr/>
-            </p:nvSpPr>
-            <p:spPr>
-              <a:xfrm>
-                <a:off x="3381954" y="2336568"/>
-                <a:ext cx="584802" cy="542669"/>
-              </a:xfrm>
-              <a:prstGeom prst="ellipse">
-                <a:avLst/>
-              </a:prstGeom>
-              <a:blipFill>
-                <a:blip r:embed="rId3"/>
-                <a:stretch>
-                  <a:fillRect l="-11765" b="-22917"/>
-                </a:stretch>
-              </a:blipFill>
-              <a:ln w="50800" cap="flat" cmpd="sng">
-                <a:solidFill>
-                  <a:srgbClr val="8E7CC3"/>
-                </a:solidFill>
-                <a:prstDash val="solid"/>
-                <a:round/>
-                <a:headEnd type="none" w="sm" len="sm"/>
-                <a:tailEnd type="none" w="sm" len="sm"/>
-              </a:ln>
-            </p:spPr>
-            <p:txBody>
-              <a:bodyPr/>
-              <a:lstStyle/>
-              <a:p>
-                <a:r>
-                  <a:rPr lang="en-US">
-                    <a:noFill/>
-                  </a:rPr>
-                  <a:t> </a:t>
-                </a:r>
-              </a:p>
-            </p:txBody>
-          </p:sp>
-        </mc:Fallback>
-      </mc:AlternateContent>
-      <p:sp>
-        <p:nvSpPr>
-          <p:cNvPr id="82" name="Right Arrow 81">
-            <a:extLst>
-              <a:ext uri="{FF2B5EF4-FFF2-40B4-BE49-F238E27FC236}">
-                <a16:creationId xmlns:a16="http://schemas.microsoft.com/office/drawing/2014/main" id="{FF29A546-881C-9F40-85EA-511E162C76A1}"/>
+      <p:sp>
+        <p:nvSpPr>
+          <p:cNvPr id="6" name="Oval 5">
+            <a:extLst>
+              <a:ext uri="{FF2B5EF4-FFF2-40B4-BE49-F238E27FC236}">
+                <a16:creationId xmlns:a16="http://schemas.microsoft.com/office/drawing/2014/main" id="{694CB981-6BAB-264C-AC29-86D4359B6EC2}"/>
               </a:ext>
             </a:extLst>
           </p:cNvPr>
@@ -3824,193 +3545,8 @@
         </p:nvSpPr>
         <p:spPr>
           <a:xfrm>
-            <a:off x="4290405" y="3270344"/>
-            <a:ext cx="387084" cy="282805"/>
-          </a:xfrm>
-          <a:prstGeom prst="rightArrow">
-            <a:avLst>
-              <a:gd name="adj1" fmla="val 50000"/>
-              <a:gd name="adj2" fmla="val 76923"/>
-            </a:avLst>
-          </a:prstGeom>
-          <a:solidFill>
-            <a:schemeClr val="tx1">
-              <a:alpha val="50000"/>
-            </a:schemeClr>
-          </a:solidFill>
-          <a:ln>
-            <a:noFill/>
-          </a:ln>
-        </p:spPr>
-        <p:style>
-          <a:lnRef idx="2">
-            <a:schemeClr val="accent1">
-              <a:shade val="50000"/>
-            </a:schemeClr>
-          </a:lnRef>
-          <a:fillRef idx="1">
-            <a:schemeClr val="accent1"/>
-          </a:fillRef>
-          <a:effectRef idx="0">
-            <a:schemeClr val="accent1"/>
-          </a:effectRef>
-          <a:fontRef idx="minor">
-            <a:schemeClr val="lt1"/>
-          </a:fontRef>
-        </p:style>
-        <p:txBody>
-          <a:bodyPr rtlCol="0" anchor="ctr"/>
-          <a:lstStyle/>
-          <a:p>
-            <a:pPr algn="ctr"/>
-            <a:endParaRPr lang="en-US"/>
-          </a:p>
-        </p:txBody>
-      </p:sp>
-      <mc:AlternateContent xmlns:mc="http://schemas.openxmlformats.org/markup-compatibility/2006">
-        <mc:Choice xmlns:a14="http://schemas.microsoft.com/office/drawing/2010/main" Requires="a14">
-          <p:sp>
-            <p:nvSpPr>
-              <p:cNvPr id="89" name="Google Shape;376;p36">
-                <a:extLst>
-                  <a:ext uri="{FF2B5EF4-FFF2-40B4-BE49-F238E27FC236}">
-                    <a16:creationId xmlns:a16="http://schemas.microsoft.com/office/drawing/2014/main" id="{E417C899-27CD-AC46-B31B-BAE484D5C474}"/>
-                  </a:ext>
-                </a:extLst>
-              </p:cNvPr>
-              <p:cNvSpPr/>
-              <p:nvPr/>
-            </p:nvSpPr>
-            <p:spPr>
-              <a:xfrm>
-                <a:off x="1327062" y="3858574"/>
-                <a:ext cx="584802" cy="542669"/>
-              </a:xfrm>
-              <a:prstGeom prst="ellipse">
-                <a:avLst/>
-              </a:prstGeom>
-              <a:solidFill>
-                <a:srgbClr val="D9D2E9"/>
-              </a:solidFill>
-              <a:ln w="50800" cap="flat" cmpd="sng">
-                <a:solidFill>
-                  <a:srgbClr val="8E7CC3"/>
-                </a:solidFill>
-                <a:prstDash val="solid"/>
-                <a:round/>
-                <a:headEnd type="none" w="sm" len="sm"/>
-                <a:tailEnd type="none" w="sm" len="sm"/>
-              </a:ln>
-            </p:spPr>
-            <p:txBody>
-              <a:bodyPr spcFirstLastPara="1" wrap="square" lIns="91425" tIns="91425" rIns="91425" bIns="91425" anchor="ctr" anchorCtr="0">
-                <a:noAutofit/>
-              </a:bodyPr>
-              <a:lstStyle/>
-              <a:p>
-                <a:pPr marL="57150" lvl="0" indent="-57150" algn="ctr"/>
-                <a14:m>
-                  <m:oMathPara xmlns:m="http://schemas.openxmlformats.org/officeDocument/2006/math">
-                    <m:oMathParaPr>
-                      <m:jc m:val="centerGroup"/>
-                    </m:oMathParaPr>
-                    <m:oMath xmlns:m="http://schemas.openxmlformats.org/officeDocument/2006/math">
-                      <m:r>
-                        <a:rPr lang="zh-CN" altLang="en-US" sz="3200" b="0" i="1" smtClean="0">
-                          <a:solidFill>
-                            <a:srgbClr val="FF0000"/>
-                          </a:solidFill>
-                          <a:latin typeface="Cambria Math" panose="02040503050406030204" pitchFamily="18" charset="0"/>
-                        </a:rPr>
-                        <m:t> </m:t>
-                      </m:r>
-                      <m:r>
-                        <a:rPr lang="en-US" altLang="zh-CN" sz="3200" b="1" i="1">
-                          <a:solidFill>
-                            <a:srgbClr val="FF0000"/>
-                          </a:solidFill>
-                          <a:latin typeface="Cambria Math" panose="02040503050406030204" pitchFamily="18" charset="0"/>
-                        </a:rPr>
-                        <m:t>𝜽</m:t>
-                      </m:r>
-                    </m:oMath>
-                  </m:oMathPara>
-                </a14:m>
-                <a:endParaRPr sz="2800" b="1" dirty="0"/>
-              </a:p>
-            </p:txBody>
-          </p:sp>
-        </mc:Choice>
-        <mc:Fallback>
-          <p:sp>
-            <p:nvSpPr>
-              <p:cNvPr id="89" name="Google Shape;376;p36">
-                <a:extLst>
-                  <a:ext uri="{FF2B5EF4-FFF2-40B4-BE49-F238E27FC236}">
-                    <a16:creationId xmlns:a16="http://schemas.microsoft.com/office/drawing/2014/main" id="{E417C899-27CD-AC46-B31B-BAE484D5C474}"/>
-                  </a:ext>
-                </a:extLst>
-              </p:cNvPr>
-              <p:cNvSpPr>
-                <a:spLocks noRot="1" noChangeAspect="1" noMove="1" noResize="1" noEditPoints="1" noAdjustHandles="1" noChangeArrowheads="1" noChangeShapeType="1" noTextEdit="1"/>
-              </p:cNvSpPr>
-              <p:nvPr/>
-            </p:nvSpPr>
-            <p:spPr>
-              <a:xfrm>
-                <a:off x="1327062" y="3858574"/>
-                <a:ext cx="584802" cy="542669"/>
-              </a:xfrm>
-              <a:prstGeom prst="ellipse">
-                <a:avLst/>
-              </a:prstGeom>
-              <a:blipFill>
-                <a:blip r:embed="rId4"/>
-                <a:stretch>
-                  <a:fillRect l="-11765" b="-22917"/>
-                </a:stretch>
-              </a:blipFill>
-              <a:ln w="50800" cap="flat" cmpd="sng">
-                <a:solidFill>
-                  <a:srgbClr val="8E7CC3"/>
-                </a:solidFill>
-                <a:prstDash val="solid"/>
-                <a:round/>
-                <a:headEnd type="none" w="sm" len="sm"/>
-                <a:tailEnd type="none" w="sm" len="sm"/>
-              </a:ln>
-            </p:spPr>
-            <p:txBody>
-              <a:bodyPr/>
-              <a:lstStyle/>
-              <a:p>
-                <a:r>
-                  <a:rPr lang="en-US">
-                    <a:noFill/>
-                  </a:rPr>
-                  <a:t> </a:t>
-                </a:r>
-              </a:p>
-            </p:txBody>
-          </p:sp>
-        </mc:Fallback>
-      </mc:AlternateContent>
-      <p:sp>
-        <p:nvSpPr>
-          <p:cNvPr id="6" name="Oval 5">
-            <a:extLst>
-              <a:ext uri="{FF2B5EF4-FFF2-40B4-BE49-F238E27FC236}">
-                <a16:creationId xmlns:a16="http://schemas.microsoft.com/office/drawing/2014/main" id="{694CB981-6BAB-264C-AC29-86D4359B6EC2}"/>
-              </a:ext>
-            </a:extLst>
-          </p:cNvPr>
-          <p:cNvSpPr/>
-          <p:nvPr/>
-        </p:nvSpPr>
-        <p:spPr>
-          <a:xfrm>
-            <a:off x="1105945" y="5109606"/>
-            <a:ext cx="2877519" cy="1224769"/>
+            <a:off x="780038" y="5062025"/>
+            <a:ext cx="4410704" cy="1353274"/>
           </a:xfrm>
           <a:prstGeom prst="ellipse">
             <a:avLst/>
@@ -4076,8 +3612,8 @@
         </p:nvSpPr>
         <p:spPr>
           <a:xfrm rot="5400000">
-            <a:off x="3176781" y="3261502"/>
-            <a:ext cx="995148" cy="307502"/>
+            <a:off x="3943604" y="3215753"/>
+            <a:ext cx="1352813" cy="307502"/>
           </a:xfrm>
           <a:custGeom>
             <a:avLst/>
@@ -4131,13 +3667,13 @@
         </p:nvSpPr>
         <p:spPr>
           <a:xfrm rot="16200000">
-            <a:off x="2350766" y="4731191"/>
-            <a:ext cx="334383" cy="238280"/>
+            <a:off x="2855205" y="4520242"/>
+            <a:ext cx="334751" cy="570395"/>
           </a:xfrm>
           <a:prstGeom prst="rightArrow">
             <a:avLst>
-              <a:gd name="adj1" fmla="val 50000"/>
-              <a:gd name="adj2" fmla="val 76923"/>
+              <a:gd name="adj1" fmla="val 35095"/>
+              <a:gd name="adj2" fmla="val 50730"/>
             </a:avLst>
           </a:prstGeom>
           <a:solidFill>
@@ -4190,8 +3726,8 @@
             </p:nvSpPr>
             <p:spPr>
               <a:xfrm>
-                <a:off x="3610162" y="3186220"/>
-                <a:ext cx="495898" cy="395752"/>
+                <a:off x="4568815" y="3073377"/>
+                <a:ext cx="495898" cy="534010"/>
               </a:xfrm>
               <a:prstGeom prst="rect">
                 <a:avLst/>
@@ -4225,6 +3761,7 @@
                 </a:lvl1pPr>
               </a:lstStyle>
               <a:p>
+                <a:pPr fontAlgn="ctr"/>
                 <a14:m>
                   <m:oMathPara xmlns:m="http://schemas.openxmlformats.org/officeDocument/2006/math">
                     <m:oMathParaPr>
@@ -4232,13 +3769,15 @@
                     </m:oMathParaPr>
                     <m:oMath xmlns:m="http://schemas.openxmlformats.org/officeDocument/2006/math">
                       <m:r>
-                        <a:rPr lang="en-US" altLang="zh-CN" sz="2800"/>
+                        <a:rPr lang="en-US" altLang="zh-CN" sz="4000">
+                          <a:latin typeface="Cambria Math" panose="02040503050406030204" pitchFamily="18" charset="0"/>
+                        </a:rPr>
                         <m:t>𝒙</m:t>
                       </m:r>
                     </m:oMath>
                   </m:oMathPara>
                 </a14:m>
-                <a:endParaRPr lang="en-US" sz="2800" dirty="0"/>
+                <a:endParaRPr lang="en-US" sz="4000" dirty="0"/>
               </a:p>
             </p:txBody>
           </p:sp>
@@ -4260,16 +3799,16 @@
             </p:nvSpPr>
             <p:spPr>
               <a:xfrm>
-                <a:off x="3610162" y="3186220"/>
-                <a:ext cx="495898" cy="395752"/>
+                <a:off x="4568815" y="3073377"/>
+                <a:ext cx="495898" cy="534010"/>
               </a:xfrm>
               <a:prstGeom prst="rect">
                 <a:avLst/>
               </a:prstGeom>
               <a:blipFill>
-                <a:blip r:embed="rId5"/>
+                <a:blip r:embed="rId2"/>
                 <a:stretch>
-                  <a:fillRect b="-3125"/>
+                  <a:fillRect l="-20000" b="-6818"/>
                 </a:stretch>
               </a:blipFill>
               <a:ln>
@@ -4293,10 +3832,10 @@
       </mc:AlternateContent>
       <p:sp>
         <p:nvSpPr>
-          <p:cNvPr id="93" name="Google Shape;342;p35">
-            <a:extLst>
-              <a:ext uri="{FF2B5EF4-FFF2-40B4-BE49-F238E27FC236}">
-                <a16:creationId xmlns:a16="http://schemas.microsoft.com/office/drawing/2014/main" id="{BDEC6103-FDC5-5641-9A75-E906141C0115}"/>
+          <p:cNvPr id="10" name="Rectangle 9">
+            <a:extLst>
+              <a:ext uri="{FF2B5EF4-FFF2-40B4-BE49-F238E27FC236}">
+                <a16:creationId xmlns:a16="http://schemas.microsoft.com/office/drawing/2014/main" id="{BC1227E6-CFEA-3749-9158-77C2C6C957CF}"/>
               </a:ext>
             </a:extLst>
           </p:cNvPr>
@@ -4304,183 +3843,9 @@
           <p:nvPr/>
         </p:nvSpPr>
         <p:spPr>
-          <a:xfrm rot="16200000">
-            <a:off x="812202" y="3261502"/>
-            <a:ext cx="995148" cy="307502"/>
-          </a:xfrm>
-          <a:custGeom>
-            <a:avLst/>
-            <a:gdLst/>
-            <a:ahLst/>
-            <a:cxnLst/>
-            <a:rect l="l" t="t" r="r" b="b"/>
-            <a:pathLst>
-              <a:path w="36022" h="7649" extrusionOk="0">
-                <a:moveTo>
-                  <a:pt x="36022" y="7649"/>
-                </a:moveTo>
-                <a:cubicBezTo>
-                  <a:pt x="33598" y="6379"/>
-                  <a:pt x="27479" y="145"/>
-                  <a:pt x="21475" y="29"/>
-                </a:cubicBezTo>
-                <a:cubicBezTo>
-                  <a:pt x="15471" y="-86"/>
-                  <a:pt x="3579" y="5802"/>
-                  <a:pt x="0" y="6956"/>
-                </a:cubicBezTo>
-              </a:path>
-            </a:pathLst>
-          </a:custGeom>
-          <a:noFill/>
-          <a:ln w="66675" cap="flat" cmpd="sng">
-            <a:solidFill>
-              <a:schemeClr val="bg1">
-                <a:lumMod val="50000"/>
-              </a:schemeClr>
-            </a:solidFill>
-            <a:prstDash val="solid"/>
-            <a:round/>
-            <a:headEnd type="none" w="med" len="med"/>
-            <a:tailEnd type="triangle" w="med" len="med"/>
-          </a:ln>
-        </p:spPr>
-      </p:sp>
-      <mc:AlternateContent xmlns:mc="http://schemas.openxmlformats.org/markup-compatibility/2006">
-        <mc:Choice xmlns:a14="http://schemas.microsoft.com/office/drawing/2010/main" Requires="a14">
-          <p:sp>
-            <p:nvSpPr>
-              <p:cNvPr id="8" name="TextBox 7">
-                <a:extLst>
-                  <a:ext uri="{FF2B5EF4-FFF2-40B4-BE49-F238E27FC236}">
-                    <a16:creationId xmlns:a16="http://schemas.microsoft.com/office/drawing/2014/main" id="{41730D2F-A772-7144-ACDD-A2F66638F525}"/>
-                  </a:ext>
-                </a:extLst>
-              </p:cNvPr>
-              <p:cNvSpPr txBox="1"/>
-              <p:nvPr/>
-            </p:nvSpPr>
-            <p:spPr>
-              <a:xfrm>
-                <a:off x="1105945" y="3175306"/>
-                <a:ext cx="307503" cy="330152"/>
-              </a:xfrm>
-              <a:prstGeom prst="rect">
-                <a:avLst/>
-              </a:prstGeom>
-              <a:solidFill>
-                <a:srgbClr val="FFF2CC"/>
-              </a:solidFill>
-              <a:ln>
-                <a:noFill/>
-              </a:ln>
-            </p:spPr>
-            <p:txBody>
-              <a:bodyPr spcFirstLastPara="1" wrap="square" lIns="91425" tIns="91425" rIns="91425" bIns="91425" anchor="ctr" anchorCtr="0">
-                <a:noAutofit/>
-              </a:bodyPr>
-              <a:lstStyle>
-                <a:defPPr>
-                  <a:defRPr lang="en-US"/>
-                </a:defPPr>
-                <a:lvl1pPr algn="ctr">
-                  <a:buClr>
-                    <a:srgbClr val="000000"/>
-                  </a:buClr>
-                  <a:defRPr sz="1400">
-                    <a:solidFill>
-                      <a:srgbClr val="000000"/>
-                    </a:solidFill>
-                    <a:latin typeface="Arial"/>
-                    <a:cs typeface="Arial"/>
-                  </a:defRPr>
-                </a:lvl1pPr>
-              </a:lstStyle>
-              <a:p>
-                <a14:m>
-                  <m:oMathPara xmlns:m="http://schemas.openxmlformats.org/officeDocument/2006/math">
-                    <m:oMathParaPr>
-                      <m:jc m:val="centerGroup"/>
-                    </m:oMathParaPr>
-                    <m:oMath xmlns:m="http://schemas.openxmlformats.org/officeDocument/2006/math">
-                      <m:r>
-                        <a:rPr lang="en-US" altLang="zh-CN" sz="2800" b="1" i="1" smtClean="0">
-                          <a:latin typeface="Cambria Math" panose="02040503050406030204" pitchFamily="18" charset="0"/>
-                        </a:rPr>
-                        <m:t>𝒖</m:t>
-                      </m:r>
-                    </m:oMath>
-                  </m:oMathPara>
-                </a14:m>
-                <a:endParaRPr lang="en-US" sz="2800" b="1" i="1" dirty="0"/>
-              </a:p>
-            </p:txBody>
-          </p:sp>
-        </mc:Choice>
-        <mc:Fallback>
-          <p:sp>
-            <p:nvSpPr>
-              <p:cNvPr id="8" name="TextBox 7">
-                <a:extLst>
-                  <a:ext uri="{FF2B5EF4-FFF2-40B4-BE49-F238E27FC236}">
-                    <a16:creationId xmlns:a16="http://schemas.microsoft.com/office/drawing/2014/main" id="{41730D2F-A772-7144-ACDD-A2F66638F525}"/>
-                  </a:ext>
-                </a:extLst>
-              </p:cNvPr>
-              <p:cNvSpPr txBox="1">
-                <a:spLocks noRot="1" noChangeAspect="1" noMove="1" noResize="1" noEditPoints="1" noAdjustHandles="1" noChangeArrowheads="1" noChangeShapeType="1" noTextEdit="1"/>
-              </p:cNvSpPr>
-              <p:nvPr/>
-            </p:nvSpPr>
-            <p:spPr>
-              <a:xfrm>
-                <a:off x="1105945" y="3175306"/>
-                <a:ext cx="307503" cy="330152"/>
-              </a:xfrm>
-              <a:prstGeom prst="rect">
-                <a:avLst/>
-              </a:prstGeom>
-              <a:blipFill>
-                <a:blip r:embed="rId6"/>
-                <a:stretch>
-                  <a:fillRect l="-26923" b="-19231"/>
-                </a:stretch>
-              </a:blipFill>
-              <a:ln>
-                <a:noFill/>
-              </a:ln>
-            </p:spPr>
-            <p:txBody>
-              <a:bodyPr/>
-              <a:lstStyle/>
-              <a:p>
-                <a:r>
-                  <a:rPr lang="en-US">
-                    <a:noFill/>
-                  </a:rPr>
-                  <a:t> </a:t>
-                </a:r>
-              </a:p>
-            </p:txBody>
-          </p:sp>
-        </mc:Fallback>
-      </mc:AlternateContent>
-      <p:sp>
-        <p:nvSpPr>
-          <p:cNvPr id="10" name="Rectangle 9">
-            <a:extLst>
-              <a:ext uri="{FF2B5EF4-FFF2-40B4-BE49-F238E27FC236}">
-                <a16:creationId xmlns:a16="http://schemas.microsoft.com/office/drawing/2014/main" id="{BC1227E6-CFEA-3749-9158-77C2C6C957CF}"/>
-              </a:ext>
-            </a:extLst>
-          </p:cNvPr>
-          <p:cNvSpPr/>
-          <p:nvPr/>
-        </p:nvSpPr>
-        <p:spPr>
           <a:xfrm>
-            <a:off x="1312523" y="5348563"/>
-            <a:ext cx="2485528" cy="842282"/>
+            <a:off x="1203460" y="5240444"/>
+            <a:ext cx="3809394" cy="1131592"/>
           </a:xfrm>
           <a:prstGeom prst="rect">
             <a:avLst/>
@@ -4494,71 +3859,57 @@
           <a:p>
             <a:pPr algn="ctr">
               <a:lnSpc>
-                <a:spcPts val="2860"/>
+                <a:spcPts val="4000"/>
               </a:lnSpc>
               <a:spcAft>
                 <a:spcPts val="1200"/>
               </a:spcAft>
             </a:pPr>
             <a:r>
-              <a:rPr lang="en-US" altLang="zh-CN" sz="2800" b="1" dirty="0">
+              <a:rPr lang="en-US" altLang="zh-CN" sz="4000" b="1" dirty="0">
                 <a:latin typeface="Helvetica" pitchFamily="2" charset="0"/>
-                <a:ea typeface="Proxima Nova"/>
-                <a:cs typeface="Proxima Nova"/>
                 <a:sym typeface="Proxima Nova"/>
               </a:rPr>
               <a:t>State</a:t>
             </a:r>
             <a:r>
-              <a:rPr lang="zh-CN" altLang="en-US" sz="2800" b="1" dirty="0">
+              <a:rPr lang="zh-CN" altLang="en-US" sz="4000" b="1" dirty="0">
                 <a:latin typeface="Helvetica" pitchFamily="2" charset="0"/>
-                <a:ea typeface="Proxima Nova"/>
-                <a:cs typeface="Proxima Nova"/>
                 <a:sym typeface="Proxima Nova"/>
               </a:rPr>
               <a:t> </a:t>
             </a:r>
             <a:r>
-              <a:rPr lang="en-US" altLang="zh-CN" sz="2800" b="1" dirty="0">
+              <a:rPr lang="en-US" altLang="zh-CN" sz="4000" b="1" dirty="0">
                 <a:latin typeface="Helvetica" pitchFamily="2" charset="0"/>
-                <a:ea typeface="Proxima Nova"/>
-                <a:cs typeface="Proxima Nova"/>
                 <a:sym typeface="Proxima Nova"/>
               </a:rPr>
               <a:t>&amp;</a:t>
             </a:r>
             <a:r>
-              <a:rPr lang="zh-CN" altLang="en-US" sz="2800" b="1" dirty="0">
+              <a:rPr lang="zh-CN" altLang="en-US" sz="4000" b="1" dirty="0">
                 <a:latin typeface="Helvetica" pitchFamily="2" charset="0"/>
-                <a:ea typeface="Proxima Nova"/>
-                <a:cs typeface="Proxima Nova"/>
                 <a:sym typeface="Proxima Nova"/>
               </a:rPr>
               <a:t> </a:t>
             </a:r>
             <a:r>
-              <a:rPr lang="en-US" altLang="zh-CN" sz="2800" b="1" dirty="0">
+              <a:rPr lang="en-US" altLang="zh-CN" sz="4000" b="1" dirty="0">
                 <a:latin typeface="Helvetica" pitchFamily="2" charset="0"/>
-                <a:ea typeface="Proxima Nova"/>
-                <a:cs typeface="Proxima Nova"/>
                 <a:sym typeface="Proxima Nova"/>
               </a:rPr>
               <a:t>input</a:t>
             </a:r>
             <a:r>
-              <a:rPr lang="zh-CN" altLang="en-US" sz="2800" b="1" dirty="0">
+              <a:rPr lang="zh-CN" altLang="en-US" sz="4000" b="1" dirty="0">
                 <a:latin typeface="Helvetica" pitchFamily="2" charset="0"/>
-                <a:ea typeface="Proxima Nova"/>
-                <a:cs typeface="Proxima Nova"/>
                 <a:sym typeface="Proxima Nova"/>
               </a:rPr>
               <a:t> </a:t>
             </a:r>
             <a:r>
-              <a:rPr lang="en-US" altLang="zh-CN" sz="2800" b="1" dirty="0">
+              <a:rPr lang="en-US" altLang="zh-CN" sz="4000" b="1" dirty="0">
                 <a:latin typeface="Helvetica" pitchFamily="2" charset="0"/>
-                <a:ea typeface="Proxima Nova"/>
-                <a:cs typeface="Proxima Nova"/>
                 <a:sym typeface="Proxima Nova"/>
               </a:rPr>
               <a:t>constraints</a:t>
@@ -4577,13 +3928,15 @@
                   </a:ext>
                 </a:extLst>
               </p:cNvPr>
-              <p:cNvSpPr/>
+              <p:cNvSpPr>
+                <a:spLocks noChangeAspect="1"/>
+              </p:cNvSpPr>
               <p:nvPr/>
             </p:nvSpPr>
             <p:spPr>
               <a:xfrm>
-                <a:off x="3648660" y="5748762"/>
-                <a:ext cx="584802" cy="542669"/>
+                <a:off x="4517533" y="5738662"/>
+                <a:ext cx="731520" cy="731520"/>
               </a:xfrm>
               <a:prstGeom prst="ellipse">
                 <a:avLst/>
@@ -4615,7 +3968,7 @@
                     </m:oMathParaPr>
                     <m:oMath xmlns:m="http://schemas.openxmlformats.org/officeDocument/2006/math">
                       <m:r>
-                        <a:rPr lang="zh-CN" altLang="en-US" sz="3200" b="0" i="1" smtClean="0">
+                        <a:rPr lang="zh-CN" altLang="en-US" sz="4400" b="0" i="1" smtClean="0">
                           <a:solidFill>
                             <a:srgbClr val="FF0000"/>
                           </a:solidFill>
@@ -4624,7 +3977,7 @@
                         <m:t> </m:t>
                       </m:r>
                       <m:r>
-                        <a:rPr lang="en-US" altLang="zh-CN" sz="3200" b="1" i="1">
+                        <a:rPr lang="en-US" altLang="zh-CN" sz="4400" b="1" i="1">
                           <a:solidFill>
                             <a:srgbClr val="FF0000"/>
                           </a:solidFill>
@@ -4635,7 +3988,7 @@
                     </m:oMath>
                   </m:oMathPara>
                 </a14:m>
-                <a:endParaRPr sz="2800" b="1" dirty="0"/>
+                <a:endParaRPr sz="4000" b="1" dirty="0"/>
               </a:p>
             </p:txBody>
           </p:sp>
@@ -4657,16 +4010,16 @@
             </p:nvSpPr>
             <p:spPr>
               <a:xfrm>
-                <a:off x="3648660" y="5748762"/>
-                <a:ext cx="584802" cy="542669"/>
+                <a:off x="4517533" y="5738662"/>
+                <a:ext cx="731520" cy="731520"/>
               </a:xfrm>
               <a:prstGeom prst="ellipse">
                 <a:avLst/>
               </a:prstGeom>
               <a:blipFill>
-                <a:blip r:embed="rId7"/>
+                <a:blip r:embed="rId3"/>
                 <a:stretch>
-                  <a:fillRect l="-11765" b="-22917"/>
+                  <a:fillRect l="-20635" b="-25397"/>
                 </a:stretch>
               </a:blipFill>
               <a:ln w="50800" cap="flat" cmpd="sng">
@@ -4696,10 +4049,10 @@
       </mc:AlternateContent>
       <p:sp>
         <p:nvSpPr>
-          <p:cNvPr id="95" name="Right Arrow 94">
-            <a:extLst>
-              <a:ext uri="{FF2B5EF4-FFF2-40B4-BE49-F238E27FC236}">
-                <a16:creationId xmlns:a16="http://schemas.microsoft.com/office/drawing/2014/main" id="{BFD3B301-EDBB-0B41-9CC3-18DB50135F6F}"/>
+          <p:cNvPr id="11" name="Rectangle 10">
+            <a:extLst>
+              <a:ext uri="{FF2B5EF4-FFF2-40B4-BE49-F238E27FC236}">
+                <a16:creationId xmlns:a16="http://schemas.microsoft.com/office/drawing/2014/main" id="{5E8326C4-FD29-F044-8503-CD4B26E073B4}"/>
               </a:ext>
             </a:extLst>
           </p:cNvPr>
@@ -4707,66 +4060,9 @@
           <p:nvPr/>
         </p:nvSpPr>
         <p:spPr>
-          <a:xfrm rot="5400000">
-            <a:off x="2351245" y="1898500"/>
-            <a:ext cx="334383" cy="238280"/>
-          </a:xfrm>
-          <a:prstGeom prst="rightArrow">
-            <a:avLst>
-              <a:gd name="adj1" fmla="val 50000"/>
-              <a:gd name="adj2" fmla="val 76923"/>
-            </a:avLst>
-          </a:prstGeom>
-          <a:solidFill>
-            <a:schemeClr val="tx1">
-              <a:alpha val="50000"/>
-            </a:schemeClr>
-          </a:solidFill>
-          <a:ln>
-            <a:noFill/>
-          </a:ln>
-        </p:spPr>
-        <p:style>
-          <a:lnRef idx="2">
-            <a:schemeClr val="accent1">
-              <a:shade val="50000"/>
-            </a:schemeClr>
-          </a:lnRef>
-          <a:fillRef idx="1">
-            <a:schemeClr val="accent1"/>
-          </a:fillRef>
-          <a:effectRef idx="0">
-            <a:schemeClr val="accent1"/>
-          </a:effectRef>
-          <a:fontRef idx="minor">
-            <a:schemeClr val="lt1"/>
-          </a:fontRef>
-        </p:style>
-        <p:txBody>
-          <a:bodyPr rtlCol="0" anchor="ctr"/>
-          <a:lstStyle/>
-          <a:p>
-            <a:pPr algn="ctr"/>
-            <a:endParaRPr lang="en-US"/>
-          </a:p>
-        </p:txBody>
-      </p:sp>
-      <p:sp>
-        <p:nvSpPr>
-          <p:cNvPr id="11" name="Rectangle 10">
-            <a:extLst>
-              <a:ext uri="{FF2B5EF4-FFF2-40B4-BE49-F238E27FC236}">
-                <a16:creationId xmlns:a16="http://schemas.microsoft.com/office/drawing/2014/main" id="{5E8326C4-FD29-F044-8503-CD4B26E073B4}"/>
-              </a:ext>
-            </a:extLst>
-          </p:cNvPr>
-          <p:cNvSpPr/>
-          <p:nvPr/>
-        </p:nvSpPr>
-        <p:spPr>
           <a:xfrm>
-            <a:off x="1175209" y="752401"/>
-            <a:ext cx="2790617" cy="842282"/>
+            <a:off x="1096987" y="863018"/>
+            <a:ext cx="3676775" cy="618631"/>
           </a:xfrm>
           <a:prstGeom prst="rect">
             <a:avLst/>
@@ -4780,11 +4076,11 @@
           <a:p>
             <a:pPr algn="ctr">
               <a:lnSpc>
-                <a:spcPts val="2860"/>
+                <a:spcPts val="4000"/>
               </a:lnSpc>
             </a:pPr>
             <a:r>
-              <a:rPr lang="en-US" altLang="zh-CN" sz="2800" b="1" dirty="0">
+              <a:rPr lang="en-US" altLang="zh-CN" sz="4000" b="1" dirty="0">
                 <a:latin typeface="Helvetica" pitchFamily="2" charset="0"/>
                 <a:ea typeface="Proxima Nova"/>
                 <a:cs typeface="Proxima Nova"/>
@@ -4793,7 +4089,7 @@
               <a:t>Control</a:t>
             </a:r>
             <a:r>
-              <a:rPr lang="zh-CN" altLang="en-US" sz="2800" b="1" dirty="0">
+              <a:rPr lang="zh-CN" altLang="en-US" sz="4000" b="1" dirty="0">
                 <a:latin typeface="Helvetica" pitchFamily="2" charset="0"/>
                 <a:ea typeface="Proxima Nova"/>
                 <a:cs typeface="Proxima Nova"/>
@@ -4801,21 +4097,8 @@
               </a:rPr>
               <a:t> </a:t>
             </a:r>
-            <a:endParaRPr lang="en-US" altLang="zh-CN" sz="2800" b="1" dirty="0">
-              <a:latin typeface="Helvetica" pitchFamily="2" charset="0"/>
-              <a:ea typeface="Proxima Nova"/>
-              <a:cs typeface="Proxima Nova"/>
-              <a:sym typeface="Proxima Nova"/>
-            </a:endParaRPr>
-          </a:p>
-          <a:p>
-            <a:pPr algn="ctr">
-              <a:lnSpc>
-                <a:spcPts val="2860"/>
-              </a:lnSpc>
-            </a:pPr>
-            <a:r>
-              <a:rPr lang="en-US" altLang="zh-CN" sz="2800" b="1" dirty="0">
+            <a:r>
+              <a:rPr lang="en-US" altLang="zh-CN" sz="4000" b="1" dirty="0">
                 <a:latin typeface="Helvetica" pitchFamily="2" charset="0"/>
                 <a:ea typeface="Proxima Nova"/>
                 <a:cs typeface="Proxima Nova"/>
@@ -4823,24 +4106,6 @@
               </a:rPr>
               <a:t>cost</a:t>
             </a:r>
-            <a:r>
-              <a:rPr lang="zh-CN" altLang="en-US" sz="2800" b="1" dirty="0">
-                <a:latin typeface="Helvetica" pitchFamily="2" charset="0"/>
-                <a:ea typeface="Proxima Nova"/>
-                <a:cs typeface="Proxima Nova"/>
-                <a:sym typeface="Proxima Nova"/>
-              </a:rPr>
-              <a:t> </a:t>
-            </a:r>
-            <a:r>
-              <a:rPr lang="en-US" altLang="zh-CN" sz="2800" b="1" dirty="0">
-                <a:latin typeface="Helvetica" pitchFamily="2" charset="0"/>
-                <a:ea typeface="Proxima Nova"/>
-                <a:cs typeface="Proxima Nova"/>
-                <a:sym typeface="Proxima Nova"/>
-              </a:rPr>
-              <a:t>function</a:t>
-            </a:r>
           </a:p>
         </p:txBody>
       </p:sp>
@@ -4858,10 +4123,10 @@
         </p:nvGrpSpPr>
         <p:grpSpPr>
           <a:xfrm>
-            <a:off x="7739123" y="2186603"/>
-            <a:ext cx="2844113" cy="2570073"/>
-            <a:chOff x="8324118" y="2150326"/>
-            <a:chExt cx="2844113" cy="2570073"/>
+            <a:off x="7793538" y="791926"/>
+            <a:ext cx="4005506" cy="5388422"/>
+            <a:chOff x="8324118" y="1829066"/>
+            <a:chExt cx="2911009" cy="3186317"/>
           </a:xfrm>
         </p:grpSpPr>
         <p:sp>
@@ -4878,11 +4143,13 @@
           </p:nvSpPr>
           <p:spPr>
             <a:xfrm>
-              <a:off x="8324118" y="2150326"/>
-              <a:ext cx="2844113" cy="2570073"/>
+              <a:off x="8324118" y="1829066"/>
+              <a:ext cx="2844113" cy="3186317"/>
             </a:xfrm>
             <a:prstGeom prst="roundRect">
-              <a:avLst/>
+              <a:avLst>
+                <a:gd name="adj" fmla="val 12186"/>
+              </a:avLst>
             </a:prstGeom>
             <a:noFill/>
             <a:ln w="57150"/>
@@ -4928,8 +4195,8 @@
               </p:nvSpPr>
               <p:spPr>
                 <a:xfrm>
-                  <a:off x="8472702" y="2371137"/>
-                  <a:ext cx="2587624" cy="2046714"/>
+                  <a:off x="8391015" y="1998846"/>
+                  <a:ext cx="2844112" cy="2806916"/>
                 </a:xfrm>
                 <a:prstGeom prst="rect">
                   <a:avLst/>
@@ -4942,111 +4209,174 @@
                 </a:bodyPr>
                 <a:lstStyle/>
                 <a:p>
+                  <a:pPr>
+                    <a:spcAft>
+                      <a:spcPts val="1200"/>
+                    </a:spcAft>
+                  </a:pPr>
                   <a:r>
-                    <a:rPr lang="en-US" altLang="zh-CN" sz="2800" b="1" i="1" dirty="0"/>
+                    <a:rPr lang="en-US" altLang="zh-CN" sz="4400" b="1" i="1" dirty="0"/>
                     <a:t>Task</a:t>
                   </a:r>
                   <a:r>
-                    <a:rPr lang="zh-CN" altLang="en-US" sz="2800" b="1" i="1" dirty="0"/>
+                    <a:rPr lang="zh-CN" altLang="en-US" sz="4400" b="1" i="1" dirty="0"/>
                     <a:t> </a:t>
                   </a:r>
                   <a:r>
-                    <a:rPr lang="en-US" altLang="zh-CN" sz="2800" b="1" i="1" dirty="0"/>
-                    <a:t>loss:</a:t>
+                    <a:rPr lang="en-US" altLang="zh-CN" sz="4400" b="1" i="1" dirty="0"/>
+                    <a:t>loss</a:t>
                   </a:r>
-                  <a:endParaRPr lang="en-US" sz="2800" b="1" i="1" dirty="0"/>
+                  <a:endParaRPr lang="en-US" sz="4400" b="1" i="1" dirty="0"/>
                 </a:p>
                 <a:p>
-                  <a:r>
-                    <a:rPr lang="zh-CN" altLang="en-US" sz="2800" b="1" i="1" dirty="0">
-                      <a:latin typeface="Helvetica" pitchFamily="2" charset="0"/>
-                    </a:rPr>
-                    <a:t>     </a:t>
-                  </a:r>
                   <a14:m>
-                    <m:oMath xmlns:m="http://schemas.openxmlformats.org/officeDocument/2006/math">
-                      <m:r>
-                        <a:rPr lang="en-US" altLang="zh-CN" sz="2800" b="1" i="1" dirty="0">
-                          <a:latin typeface="Cambria Math" panose="02040503050406030204" pitchFamily="18" charset="0"/>
-                        </a:rPr>
-                        <m:t>𝒍</m:t>
-                      </m:r>
-                      <m:r>
-                        <a:rPr lang="en-US" altLang="zh-CN" sz="2800" b="1" i="1">
-                          <a:latin typeface="Cambria Math" panose="02040503050406030204" pitchFamily="18" charset="0"/>
-                        </a:rPr>
-                        <m:t>(</m:t>
-                      </m:r>
-                      <m:sSub>
-                        <m:sSubPr>
-                          <m:ctrlPr>
-                            <a:rPr lang="en-US" altLang="zh-CN" sz="2800" b="1" i="1">
-                              <a:latin typeface="Cambria Math" panose="02040503050406030204" pitchFamily="18" charset="0"/>
-                            </a:rPr>
-                          </m:ctrlPr>
-                        </m:sSubPr>
-                        <m:e>
-                          <m:r>
-                            <a:rPr lang="en-US" altLang="zh-CN" sz="2800" b="1" i="1">
-                              <a:latin typeface="Cambria Math" panose="02040503050406030204" pitchFamily="18" charset="0"/>
-                            </a:rPr>
-                            <m:t>𝝃</m:t>
-                          </m:r>
-                        </m:e>
-                        <m:sub>
-                          <m:r>
-                            <a:rPr lang="en-US" altLang="zh-CN" sz="2800" b="1" i="1">
-                              <a:solidFill>
-                                <a:srgbClr val="FF0000"/>
-                              </a:solidFill>
-                              <a:latin typeface="Cambria Math" panose="02040503050406030204" pitchFamily="18" charset="0"/>
-                            </a:rPr>
-                            <m:t>𝜽</m:t>
-                          </m:r>
-                        </m:sub>
-                      </m:sSub>
-                      <m:r>
-                        <a:rPr lang="en-US" altLang="zh-CN" sz="2800" b="1" i="1">
-                          <a:latin typeface="Cambria Math" panose="02040503050406030204" pitchFamily="18" charset="0"/>
-                        </a:rPr>
-                        <m:t>,</m:t>
-                      </m:r>
-                      <m:r>
-                        <a:rPr lang="en-US" altLang="zh-CN" sz="2800" b="1" i="1">
-                          <a:solidFill>
-                            <a:srgbClr val="FF0000"/>
-                          </a:solidFill>
-                          <a:latin typeface="Cambria Math" panose="02040503050406030204" pitchFamily="18" charset="0"/>
-                        </a:rPr>
-                        <m:t>𝜽</m:t>
-                      </m:r>
-                      <m:r>
-                        <a:rPr lang="en-US" altLang="zh-CN" sz="2800" b="1" i="1">
-                          <a:latin typeface="Cambria Math" panose="02040503050406030204" pitchFamily="18" charset="0"/>
-                        </a:rPr>
-                        <m:t>)</m:t>
-                      </m:r>
-                    </m:oMath>
+                    <m:oMathPara xmlns:m="http://schemas.openxmlformats.org/officeDocument/2006/math">
+                      <m:oMathParaPr>
+                        <m:jc m:val="centerGroup"/>
+                      </m:oMathParaPr>
+                      <m:oMath xmlns:m="http://schemas.openxmlformats.org/officeDocument/2006/math">
+                        <m:limLow>
+                          <m:limLowPr>
+                            <m:ctrlPr>
+                              <a:rPr lang="en-US" altLang="zh-CN" sz="4800" b="1" i="1" dirty="0" smtClean="0">
+                                <a:latin typeface="Cambria Math" panose="02040503050406030204" pitchFamily="18" charset="0"/>
+                              </a:rPr>
+                            </m:ctrlPr>
+                          </m:limLowPr>
+                          <m:e>
+                            <m:r>
+                              <m:rPr>
+                                <m:sty m:val="p"/>
+                              </m:rPr>
+                              <a:rPr lang="en-US" altLang="zh-CN" sz="4800" b="0" i="0" dirty="0" smtClean="0">
+                                <a:latin typeface="Cambria Math" panose="02040503050406030204" pitchFamily="18" charset="0"/>
+                              </a:rPr>
+                              <m:t>min</m:t>
+                            </m:r>
+                          </m:e>
+                          <m:lim>
+                            <m:r>
+                              <a:rPr lang="en-US" altLang="zh-CN" sz="4800" b="1" i="1">
+                                <a:solidFill>
+                                  <a:srgbClr val="FF0000"/>
+                                </a:solidFill>
+                                <a:latin typeface="Cambria Math" panose="02040503050406030204" pitchFamily="18" charset="0"/>
+                              </a:rPr>
+                              <m:t>𝜽</m:t>
+                            </m:r>
+                          </m:lim>
+                        </m:limLow>
+                        <m:r>
+                          <a:rPr lang="zh-CN" altLang="en-US" sz="4800" b="1" i="1" dirty="0" smtClean="0">
+                            <a:latin typeface="Cambria Math" panose="02040503050406030204" pitchFamily="18" charset="0"/>
+                          </a:rPr>
+                          <m:t> </m:t>
+                        </m:r>
+                        <m:r>
+                          <a:rPr lang="en-US" altLang="zh-CN" sz="4800" b="1" i="1" dirty="0">
+                            <a:latin typeface="Cambria Math" panose="02040503050406030204" pitchFamily="18" charset="0"/>
+                          </a:rPr>
+                          <m:t>𝒍</m:t>
+                        </m:r>
+                        <m:r>
+                          <a:rPr lang="en-US" altLang="zh-CN" sz="4800" b="1" i="1">
+                            <a:latin typeface="Cambria Math" panose="02040503050406030204" pitchFamily="18" charset="0"/>
+                          </a:rPr>
+                          <m:t>(</m:t>
+                        </m:r>
+                        <m:sSub>
+                          <m:sSubPr>
+                            <m:ctrlPr>
+                              <a:rPr lang="en-US" altLang="zh-CN" sz="4800" b="1" i="1">
+                                <a:latin typeface="Cambria Math" panose="02040503050406030204" pitchFamily="18" charset="0"/>
+                              </a:rPr>
+                            </m:ctrlPr>
+                          </m:sSubPr>
+                          <m:e>
+                            <m:r>
+                              <a:rPr lang="en-US" altLang="zh-CN" sz="4800" b="1" i="1">
+                                <a:latin typeface="Cambria Math" panose="02040503050406030204" pitchFamily="18" charset="0"/>
+                              </a:rPr>
+                              <m:t>𝝃</m:t>
+                            </m:r>
+                          </m:e>
+                          <m:sub>
+                            <m:r>
+                              <a:rPr lang="en-US" altLang="zh-CN" sz="4800" b="1" i="1">
+                                <a:solidFill>
+                                  <a:srgbClr val="FF0000"/>
+                                </a:solidFill>
+                                <a:latin typeface="Cambria Math" panose="02040503050406030204" pitchFamily="18" charset="0"/>
+                              </a:rPr>
+                              <m:t>𝜽</m:t>
+                            </m:r>
+                          </m:sub>
+                        </m:sSub>
+                        <m:r>
+                          <a:rPr lang="en-US" altLang="zh-CN" sz="4800" b="1" i="1">
+                            <a:latin typeface="Cambria Math" panose="02040503050406030204" pitchFamily="18" charset="0"/>
+                          </a:rPr>
+                          <m:t>,</m:t>
+                        </m:r>
+                        <m:r>
+                          <a:rPr lang="en-US" altLang="zh-CN" sz="4800" b="1" i="1">
+                            <a:solidFill>
+                              <a:srgbClr val="FF0000"/>
+                            </a:solidFill>
+                            <a:latin typeface="Cambria Math" panose="02040503050406030204" pitchFamily="18" charset="0"/>
+                          </a:rPr>
+                          <m:t>𝜽</m:t>
+                        </m:r>
+                        <m:r>
+                          <a:rPr lang="en-US" altLang="zh-CN" sz="4800" b="1" i="1">
+                            <a:latin typeface="Cambria Math" panose="02040503050406030204" pitchFamily="18" charset="0"/>
+                          </a:rPr>
+                          <m:t>)</m:t>
+                        </m:r>
+                      </m:oMath>
+                    </m:oMathPara>
                   </a14:m>
-                  <a:endParaRPr lang="en-US" sz="2800" b="1" i="1" dirty="0"/>
+                  <a:endParaRPr lang="en-US" sz="4800" b="1" i="1" dirty="0"/>
                 </a:p>
                 <a:p>
                   <a:pPr>
                     <a:spcBef>
-                      <a:spcPts val="1800"/>
+                      <a:spcPts val="2400"/>
                     </a:spcBef>
+                    <a:spcAft>
+                      <a:spcPts val="2400"/>
+                    </a:spcAft>
                   </a:pPr>
                   <a:r>
-                    <a:rPr lang="en-US" altLang="zh-CN" sz="2800" b="1" i="1" dirty="0"/>
+                    <a:rPr lang="en-US" altLang="zh-CN" sz="4400" i="1" dirty="0"/>
+                    <a:t>Subject</a:t>
+                  </a:r>
+                  <a:r>
+                    <a:rPr lang="zh-CN" altLang="en-US" sz="4400" i="1" dirty="0"/>
+                    <a:t> </a:t>
+                  </a:r>
+                  <a:r>
+                    <a:rPr lang="en-US" altLang="zh-CN" sz="4400" i="1" dirty="0"/>
+                    <a:t>to</a:t>
+                  </a:r>
+                </a:p>
+                <a:p>
+                  <a:pPr>
+                    <a:spcAft>
+                      <a:spcPts val="1200"/>
+                    </a:spcAft>
+                  </a:pPr>
+                  <a:r>
+                    <a:rPr lang="en-US" altLang="zh-CN" sz="4400" b="1" i="1" dirty="0"/>
                     <a:t>Task</a:t>
                   </a:r>
                   <a:r>
-                    <a:rPr lang="zh-CN" altLang="en-US" sz="2800" b="1" i="1" dirty="0"/>
+                    <a:rPr lang="zh-CN" altLang="en-US" sz="4400" b="1" i="1" dirty="0"/>
                     <a:t> </a:t>
                   </a:r>
                   <a:r>
-                    <a:rPr lang="en-US" altLang="zh-CN" sz="2800" b="1" i="1" dirty="0"/>
-                    <a:t>constraints:</a:t>
+                    <a:rPr lang="en-US" altLang="zh-CN" sz="4400" b="1" i="1" dirty="0"/>
+                    <a:t>constraint</a:t>
                   </a:r>
                 </a:p>
                 <a:p>
@@ -5062,13 +4392,7 @@
                       </m:oMathParaPr>
                       <m:oMath xmlns:m="http://schemas.openxmlformats.org/officeDocument/2006/math">
                         <m:r>
-                          <a:rPr lang="zh-CN" altLang="en-US" sz="2800" b="0" i="1" smtClean="0">
-                            <a:latin typeface="Cambria Math" panose="02040503050406030204" pitchFamily="18" charset="0"/>
-                          </a:rPr>
-                          <m:t>      </m:t>
-                        </m:r>
-                        <m:r>
-                          <a:rPr lang="en-US" altLang="zh-CN" sz="2800" b="1" i="1">
+                          <a:rPr lang="en-US" altLang="zh-CN" sz="4800" b="1" i="1">
                             <a:latin typeface="Cambria Math" panose="02040503050406030204" pitchFamily="18" charset="0"/>
                           </a:rPr>
                           <m:t>𝑹</m:t>
@@ -5076,7 +4400,7 @@
                         <m:d>
                           <m:dPr>
                             <m:ctrlPr>
-                              <a:rPr lang="en-US" altLang="zh-CN" sz="2800" b="1" i="1">
+                              <a:rPr lang="en-US" altLang="zh-CN" sz="4800" b="1" i="1">
                                 <a:latin typeface="Cambria Math" panose="02040503050406030204" pitchFamily="18" charset="0"/>
                               </a:rPr>
                             </m:ctrlPr>
@@ -5085,14 +4409,14 @@
                             <m:sSub>
                               <m:sSubPr>
                                 <m:ctrlPr>
-                                  <a:rPr lang="en-US" altLang="zh-CN" sz="2800" b="1" i="1">
+                                  <a:rPr lang="en-US" altLang="zh-CN" sz="4800" b="1" i="1">
                                     <a:latin typeface="Cambria Math" panose="02040503050406030204" pitchFamily="18" charset="0"/>
                                   </a:rPr>
                                 </m:ctrlPr>
                               </m:sSubPr>
                               <m:e>
                                 <m:r>
-                                  <a:rPr lang="en-US" altLang="zh-CN" sz="2800" b="1" i="1">
+                                  <a:rPr lang="en-US" altLang="zh-CN" sz="4800" b="1" i="1">
                                     <a:latin typeface="Cambria Math" panose="02040503050406030204" pitchFamily="18" charset="0"/>
                                   </a:rPr>
                                   <m:t>𝝃</m:t>
@@ -5100,7 +4424,7 @@
                               </m:e>
                               <m:sub>
                                 <m:r>
-                                  <a:rPr lang="en-US" altLang="zh-CN" sz="2800" b="1" i="1">
+                                  <a:rPr lang="en-US" altLang="zh-CN" sz="4800" b="1" i="1">
                                     <a:solidFill>
                                       <a:srgbClr val="FF0000"/>
                                     </a:solidFill>
@@ -5111,13 +4435,13 @@
                               </m:sub>
                             </m:sSub>
                             <m:r>
-                              <a:rPr lang="en-US" altLang="zh-CN" sz="2800" b="1" i="1">
+                              <a:rPr lang="en-US" altLang="zh-CN" sz="4800" b="1" i="1">
                                 <a:latin typeface="Cambria Math" panose="02040503050406030204" pitchFamily="18" charset="0"/>
                               </a:rPr>
                               <m:t>,</m:t>
                             </m:r>
                             <m:r>
-                              <a:rPr lang="en-US" altLang="zh-CN" sz="2800" b="1" i="1">
+                              <a:rPr lang="en-US" altLang="zh-CN" sz="4800" b="1" i="1">
                                 <a:solidFill>
                                   <a:srgbClr val="FF0000"/>
                                 </a:solidFill>
@@ -5128,13 +4452,13 @@
                           </m:e>
                         </m:d>
                         <m:r>
-                          <a:rPr lang="en-US" altLang="zh-CN" sz="2800" b="1" i="1">
+                          <a:rPr lang="en-US" altLang="zh-CN" sz="4800" b="1" i="1">
                             <a:latin typeface="Cambria Math" panose="02040503050406030204" pitchFamily="18" charset="0"/>
                           </a:rPr>
                           <m:t>≤</m:t>
                         </m:r>
                         <m:r>
-                          <a:rPr lang="en-US" altLang="zh-CN" sz="2800" b="1" i="1">
+                          <a:rPr lang="en-US" altLang="zh-CN" sz="4800" b="1" i="1">
                             <a:latin typeface="Cambria Math" panose="02040503050406030204" pitchFamily="18" charset="0"/>
                           </a:rPr>
                           <m:t>𝟎</m:t>
@@ -5142,7 +4466,7 @@
                       </m:oMath>
                     </m:oMathPara>
                   </a14:m>
-                  <a:endParaRPr lang="en-US" sz="2800" b="1" i="1" dirty="0"/>
+                  <a:endParaRPr lang="en-US" sz="4800" b="1" i="1" dirty="0"/>
                 </a:p>
               </p:txBody>
             </p:sp>
@@ -5164,16 +4488,16 @@
               </p:nvSpPr>
               <p:spPr>
                 <a:xfrm>
-                  <a:off x="8472702" y="2371137"/>
-                  <a:ext cx="2587624" cy="2046714"/>
+                  <a:off x="8391015" y="1998846"/>
+                  <a:ext cx="2844112" cy="2806916"/>
                 </a:xfrm>
                 <a:prstGeom prst="rect">
                   <a:avLst/>
                 </a:prstGeom>
                 <a:blipFill>
-                  <a:blip r:embed="rId8"/>
+                  <a:blip r:embed="rId4"/>
                   <a:stretch>
-                    <a:fillRect l="-4902" t="-3086" r="-6863" b="-4938"/>
+                    <a:fillRect l="-6472" t="-2667" b="-3200"/>
                   </a:stretch>
                 </a:blipFill>
               </p:spPr>
@@ -5193,244 +4517,162 @@
           </mc:Fallback>
         </mc:AlternateContent>
       </p:grpSp>
-      <p:grpSp>
-        <p:nvGrpSpPr>
-          <p:cNvPr id="19" name="Group 18">
-            <a:extLst>
-              <a:ext uri="{FF2B5EF4-FFF2-40B4-BE49-F238E27FC236}">
-                <a16:creationId xmlns:a16="http://schemas.microsoft.com/office/drawing/2014/main" id="{66E76042-9F5C-174C-871B-826BF7279A8F}"/>
-              </a:ext>
-            </a:extLst>
-          </p:cNvPr>
-          <p:cNvGrpSpPr/>
-          <p:nvPr/>
-        </p:nvGrpSpPr>
-        <p:grpSpPr>
-          <a:xfrm>
-            <a:off x="4743270" y="2629997"/>
-            <a:ext cx="2324813" cy="1607726"/>
-            <a:chOff x="5017101" y="2771740"/>
-            <a:chExt cx="2324813" cy="1607726"/>
-          </a:xfrm>
-        </p:grpSpPr>
-        <p:sp>
-          <p:nvSpPr>
-            <p:cNvPr id="17" name="Rounded Rectangle 16">
-              <a:extLst>
-                <a:ext uri="{FF2B5EF4-FFF2-40B4-BE49-F238E27FC236}">
-                  <a16:creationId xmlns:a16="http://schemas.microsoft.com/office/drawing/2014/main" id="{B1B4E658-A15A-7D40-8A4F-41F020D352ED}"/>
-                </a:ext>
-              </a:extLst>
-            </p:cNvPr>
-            <p:cNvSpPr/>
-            <p:nvPr/>
-          </p:nvSpPr>
-          <p:spPr>
-            <a:xfrm>
-              <a:off x="5017101" y="2771740"/>
-              <a:ext cx="2324813" cy="1607726"/>
-            </a:xfrm>
-            <a:prstGeom prst="roundRect">
-              <a:avLst>
-                <a:gd name="adj" fmla="val 26390"/>
-              </a:avLst>
-            </a:prstGeom>
-            <a:solidFill>
-              <a:srgbClr val="CFE2F3"/>
-            </a:solidFill>
-            <a:ln>
-              <a:noFill/>
-            </a:ln>
-          </p:spPr>
-          <p:txBody>
-            <a:bodyPr spcFirstLastPara="1" wrap="square" lIns="0" tIns="0" rIns="0" bIns="0" anchor="ctr" anchorCtr="0">
-              <a:noAutofit/>
-            </a:bodyPr>
-            <a:lstStyle/>
-            <a:p>
-              <a:pPr algn="ctr">
-                <a:buClr>
-                  <a:srgbClr val="000000"/>
-                </a:buClr>
-              </a:pPr>
-              <a:endParaRPr lang="en-US" sz="3000" b="1">
-                <a:solidFill>
-                  <a:schemeClr val="tx1"/>
-                </a:solidFill>
-                <a:latin typeface="Proxima Nova"/>
-              </a:endParaRPr>
-            </a:p>
-          </p:txBody>
-        </p:sp>
-        <mc:AlternateContent xmlns:mc="http://schemas.openxmlformats.org/markup-compatibility/2006">
-          <mc:Choice xmlns:a14="http://schemas.microsoft.com/office/drawing/2010/main" Requires="a14">
-            <p:sp>
-              <p:nvSpPr>
-                <p:cNvPr id="12" name="Rectangle 11">
-                  <a:extLst>
-                    <a:ext uri="{FF2B5EF4-FFF2-40B4-BE49-F238E27FC236}">
-                      <a16:creationId xmlns:a16="http://schemas.microsoft.com/office/drawing/2014/main" id="{021D1413-B1AC-8541-A876-1899ACBC9ED6}"/>
-                    </a:ext>
-                  </a:extLst>
-                </p:cNvPr>
-                <p:cNvSpPr/>
-                <p:nvPr/>
-              </p:nvSpPr>
-              <p:spPr>
-                <a:xfrm>
-                  <a:off x="5017101" y="3089992"/>
-                  <a:ext cx="2324813" cy="954107"/>
-                </a:xfrm>
-                <a:prstGeom prst="rect">
-                  <a:avLst/>
-                </a:prstGeom>
-              </p:spPr>
-              <p:txBody>
-                <a:bodyPr wrap="square">
-                  <a:spAutoFit/>
-                </a:bodyPr>
-                <a:lstStyle/>
-                <a:p>
-                  <a:pPr algn="ctr">
-                    <a:buClr>
-                      <a:srgbClr val="000000"/>
-                    </a:buClr>
-                  </a:pPr>
-                  <a:r>
-                    <a:rPr lang="en-US" altLang="zh-CN" sz="2800" b="1" dirty="0">
-                      <a:latin typeface="Helvetica" pitchFamily="2" charset="0"/>
-                      <a:ea typeface="Proxima Nova"/>
-                      <a:cs typeface="Proxima Nova"/>
-                      <a:sym typeface="Proxima Nova"/>
-                    </a:rPr>
-                    <a:t>System</a:t>
-                  </a:r>
-                  <a:r>
-                    <a:rPr lang="zh-CN" altLang="en-US" sz="2800" b="1" dirty="0">
-                      <a:latin typeface="Helvetica" pitchFamily="2" charset="0"/>
-                      <a:ea typeface="Proxima Nova"/>
-                      <a:cs typeface="Proxima Nova"/>
-                      <a:sym typeface="Proxima Nova"/>
-                    </a:rPr>
-                    <a:t> </a:t>
-                  </a:r>
-                  <a:r>
-                    <a:rPr lang="en-US" altLang="zh-CN" sz="2800" b="1" dirty="0">
-                      <a:latin typeface="Helvetica" pitchFamily="2" charset="0"/>
-                      <a:ea typeface="Proxima Nova"/>
-                      <a:cs typeface="Proxima Nova"/>
-                      <a:sym typeface="Proxima Nova"/>
-                    </a:rPr>
-                    <a:t>trajectory</a:t>
-                  </a:r>
-                  <a:r>
-                    <a:rPr lang="en-US" altLang="zh-CN" sz="2800" b="1" dirty="0">
-                      <a:solidFill>
-                        <a:srgbClr val="000000"/>
-                      </a:solidFill>
-                    </a:rPr>
-                    <a:t> </a:t>
-                  </a:r>
-                  <a14:m>
-                    <m:oMath xmlns:m="http://schemas.openxmlformats.org/officeDocument/2006/math">
-                      <m:sSub>
-                        <m:sSubPr>
-                          <m:ctrlPr>
-                            <a:rPr lang="en-US" altLang="zh-CN" sz="2800" b="1" i="1">
-                              <a:solidFill>
-                                <a:srgbClr val="000000"/>
-                              </a:solidFill>
-                              <a:latin typeface="Cambria Math" panose="02040503050406030204" pitchFamily="18" charset="0"/>
-                            </a:rPr>
-                          </m:ctrlPr>
-                        </m:sSubPr>
-                        <m:e>
-                          <m:r>
-                            <a:rPr lang="en-US" altLang="zh-CN" sz="2800" b="1" i="1">
-                              <a:solidFill>
-                                <a:srgbClr val="000000"/>
-                              </a:solidFill>
-                              <a:latin typeface="Cambria Math" panose="02040503050406030204" pitchFamily="18" charset="0"/>
-                            </a:rPr>
-                            <m:t>𝝃</m:t>
-                          </m:r>
-                        </m:e>
-                        <m:sub>
-                          <m:r>
-                            <a:rPr lang="en-US" altLang="zh-CN" sz="2800" b="1" i="1">
-                              <a:solidFill>
-                                <a:srgbClr val="FF0000"/>
-                              </a:solidFill>
-                              <a:latin typeface="Cambria Math" panose="02040503050406030204" pitchFamily="18" charset="0"/>
-                            </a:rPr>
-                            <m:t>𝜽</m:t>
-                          </m:r>
-                        </m:sub>
-                      </m:sSub>
-                    </m:oMath>
-                  </a14:m>
-                  <a:endParaRPr lang="en-US" altLang="zh-CN" sz="2800" b="1" dirty="0">
+      <mc:AlternateContent xmlns:mc="http://schemas.openxmlformats.org/markup-compatibility/2006">
+        <mc:Choice xmlns:a14="http://schemas.microsoft.com/office/drawing/2010/main" Requires="a14">
+          <p:sp>
+            <p:nvSpPr>
+              <p:cNvPr id="12" name="Rectangle 11">
+                <a:extLst>
+                  <a:ext uri="{FF2B5EF4-FFF2-40B4-BE49-F238E27FC236}">
+                    <a16:creationId xmlns:a16="http://schemas.microsoft.com/office/drawing/2014/main" id="{021D1413-B1AC-8541-A876-1899ACBC9ED6}"/>
+                  </a:ext>
+                </a:extLst>
+              </p:cNvPr>
+              <p:cNvSpPr/>
+              <p:nvPr/>
+            </p:nvSpPr>
+            <p:spPr>
+              <a:xfrm rot="16200000">
+                <a:off x="4535775" y="2968039"/>
+                <a:ext cx="3902943" cy="830997"/>
+              </a:xfrm>
+              <a:prstGeom prst="rect">
+                <a:avLst/>
+              </a:prstGeom>
+              <a:ln w="28575">
+                <a:noFill/>
+              </a:ln>
+            </p:spPr>
+            <p:txBody>
+              <a:bodyPr wrap="square">
+                <a:spAutoFit/>
+              </a:bodyPr>
+              <a:lstStyle/>
+              <a:p>
+                <a:pPr algn="ctr">
+                  <a:buClr>
+                    <a:srgbClr val="000000"/>
+                  </a:buClr>
+                </a:pPr>
+                <a:r>
+                  <a:rPr lang="en-US" altLang="zh-CN" sz="4400" b="1" dirty="0">
                     <a:latin typeface="Helvetica" pitchFamily="2" charset="0"/>
                     <a:ea typeface="Proxima Nova"/>
                     <a:cs typeface="Proxima Nova"/>
                     <a:sym typeface="Proxima Nova"/>
-                  </a:endParaRPr>
-                </a:p>
-              </p:txBody>
-            </p:sp>
-          </mc:Choice>
-          <mc:Fallback>
-            <p:sp>
-              <p:nvSpPr>
-                <p:cNvPr id="12" name="Rectangle 11">
-                  <a:extLst>
-                    <a:ext uri="{FF2B5EF4-FFF2-40B4-BE49-F238E27FC236}">
-                      <a16:creationId xmlns:a16="http://schemas.microsoft.com/office/drawing/2014/main" id="{021D1413-B1AC-8541-A876-1899ACBC9ED6}"/>
-                    </a:ext>
-                  </a:extLst>
-                </p:cNvPr>
-                <p:cNvSpPr>
-                  <a:spLocks noRot="1" noChangeAspect="1" noMove="1" noResize="1" noEditPoints="1" noAdjustHandles="1" noChangeArrowheads="1" noChangeShapeType="1" noTextEdit="1"/>
-                </p:cNvSpPr>
-                <p:nvPr/>
-              </p:nvSpPr>
-              <p:spPr>
-                <a:xfrm>
-                  <a:off x="5017101" y="3089992"/>
-                  <a:ext cx="2324813" cy="954107"/>
-                </a:xfrm>
-                <a:prstGeom prst="rect">
-                  <a:avLst/>
-                </a:prstGeom>
-                <a:blipFill>
-                  <a:blip r:embed="rId9"/>
-                  <a:stretch>
-                    <a:fillRect l="-3804" t="-6579" b="-18421"/>
-                  </a:stretch>
-                </a:blipFill>
-              </p:spPr>
-              <p:txBody>
-                <a:bodyPr/>
-                <a:lstStyle/>
-                <a:p>
-                  <a:r>
-                    <a:rPr lang="en-US">
-                      <a:noFill/>
-                    </a:rPr>
-                    <a:t> </a:t>
-                  </a:r>
-                </a:p>
-              </p:txBody>
-            </p:sp>
-          </mc:Fallback>
-        </mc:AlternateContent>
-      </p:grpSp>
-      <p:sp>
-        <p:nvSpPr>
-          <p:cNvPr id="96" name="Right Arrow 95">
-            <a:extLst>
-              <a:ext uri="{FF2B5EF4-FFF2-40B4-BE49-F238E27FC236}">
-                <a16:creationId xmlns:a16="http://schemas.microsoft.com/office/drawing/2014/main" id="{10091117-1566-1448-A3E2-F1C5C3B39351}"/>
+                  </a:rPr>
+                  <a:t>Trajectory</a:t>
+                </a:r>
+                <a:r>
+                  <a:rPr lang="en-US" altLang="zh-CN" sz="4400" b="1" dirty="0">
+                    <a:solidFill>
+                      <a:srgbClr val="000000"/>
+                    </a:solidFill>
+                  </a:rPr>
+                  <a:t> </a:t>
+                </a:r>
+                <a14:m>
+                  <m:oMath xmlns:m="http://schemas.openxmlformats.org/officeDocument/2006/math">
+                    <m:sSub>
+                      <m:sSubPr>
+                        <m:ctrlPr>
+                          <a:rPr lang="en-US" altLang="zh-CN" sz="4800" b="1" i="1">
+                            <a:solidFill>
+                              <a:srgbClr val="000000"/>
+                            </a:solidFill>
+                            <a:latin typeface="Cambria Math" panose="02040503050406030204" pitchFamily="18" charset="0"/>
+                          </a:rPr>
+                        </m:ctrlPr>
+                      </m:sSubPr>
+                      <m:e>
+                        <m:r>
+                          <a:rPr lang="en-US" altLang="zh-CN" sz="4800" b="1" i="1">
+                            <a:solidFill>
+                              <a:srgbClr val="000000"/>
+                            </a:solidFill>
+                            <a:latin typeface="Cambria Math" panose="02040503050406030204" pitchFamily="18" charset="0"/>
+                          </a:rPr>
+                          <m:t>𝝃</m:t>
+                        </m:r>
+                      </m:e>
+                      <m:sub>
+                        <m:r>
+                          <a:rPr lang="en-US" altLang="zh-CN" sz="4800" b="1" i="1">
+                            <a:solidFill>
+                              <a:srgbClr val="FF0000"/>
+                            </a:solidFill>
+                            <a:latin typeface="Cambria Math" panose="02040503050406030204" pitchFamily="18" charset="0"/>
+                          </a:rPr>
+                          <m:t>𝜽</m:t>
+                        </m:r>
+                      </m:sub>
+                    </m:sSub>
+                  </m:oMath>
+                </a14:m>
+                <a:endParaRPr lang="en-US" altLang="zh-CN" sz="4000" b="1" dirty="0">
+                  <a:latin typeface="Helvetica" pitchFamily="2" charset="0"/>
+                  <a:ea typeface="Proxima Nova"/>
+                  <a:cs typeface="Proxima Nova"/>
+                  <a:sym typeface="Proxima Nova"/>
+                </a:endParaRPr>
+              </a:p>
+            </p:txBody>
+          </p:sp>
+        </mc:Choice>
+        <mc:Fallback>
+          <p:sp>
+            <p:nvSpPr>
+              <p:cNvPr id="12" name="Rectangle 11">
+                <a:extLst>
+                  <a:ext uri="{FF2B5EF4-FFF2-40B4-BE49-F238E27FC236}">
+                    <a16:creationId xmlns:a16="http://schemas.microsoft.com/office/drawing/2014/main" id="{021D1413-B1AC-8541-A876-1899ACBC9ED6}"/>
+                  </a:ext>
+                </a:extLst>
+              </p:cNvPr>
+              <p:cNvSpPr>
+                <a:spLocks noRot="1" noChangeAspect="1" noMove="1" noResize="1" noEditPoints="1" noAdjustHandles="1" noChangeArrowheads="1" noChangeShapeType="1" noTextEdit="1"/>
+              </p:cNvSpPr>
+              <p:nvPr/>
+            </p:nvSpPr>
+            <p:spPr>
+              <a:xfrm rot="16200000">
+                <a:off x="4535775" y="2968039"/>
+                <a:ext cx="3902943" cy="830997"/>
+              </a:xfrm>
+              <a:prstGeom prst="rect">
+                <a:avLst/>
+              </a:prstGeom>
+              <a:blipFill>
+                <a:blip r:embed="rId5"/>
+                <a:stretch>
+                  <a:fillRect l="-9091" r="-33333" b="-2265"/>
+                </a:stretch>
+              </a:blipFill>
+              <a:ln w="28575">
+                <a:noFill/>
+              </a:ln>
+            </p:spPr>
+            <p:txBody>
+              <a:bodyPr/>
+              <a:lstStyle/>
+              <a:p>
+                <a:r>
+                  <a:rPr lang="en-US">
+                    <a:noFill/>
+                  </a:rPr>
+                  <a:t> </a:t>
+                </a:r>
+              </a:p>
+            </p:txBody>
+          </p:sp>
+        </mc:Fallback>
+      </mc:AlternateContent>
+      <p:sp>
+        <p:nvSpPr>
+          <p:cNvPr id="2" name="Right Brace 1">
+            <a:extLst>
+              <a:ext uri="{FF2B5EF4-FFF2-40B4-BE49-F238E27FC236}">
+                <a16:creationId xmlns:a16="http://schemas.microsoft.com/office/drawing/2014/main" id="{89DCBEDD-B55A-6949-B2D1-FE5EF43F0224}"/>
               </a:ext>
             </a:extLst>
           </p:cNvPr>
@@ -5439,13 +4681,683 @@
         </p:nvSpPr>
         <p:spPr>
           <a:xfrm>
-            <a:off x="7200696" y="3295385"/>
-            <a:ext cx="387084" cy="282805"/>
+            <a:off x="5351397" y="994302"/>
+            <a:ext cx="702228" cy="5065988"/>
+          </a:xfrm>
+          <a:prstGeom prst="rightBrace">
+            <a:avLst>
+              <a:gd name="adj1" fmla="val 56036"/>
+              <a:gd name="adj2" fmla="val 50000"/>
+            </a:avLst>
+          </a:prstGeom>
+          <a:ln w="63500"/>
+        </p:spPr>
+        <p:style>
+          <a:lnRef idx="1">
+            <a:schemeClr val="accent1"/>
+          </a:lnRef>
+          <a:fillRef idx="0">
+            <a:schemeClr val="accent1"/>
+          </a:fillRef>
+          <a:effectRef idx="0">
+            <a:schemeClr val="accent1"/>
+          </a:effectRef>
+          <a:fontRef idx="minor">
+            <a:schemeClr val="tx1"/>
+          </a:fontRef>
+        </p:style>
+        <p:txBody>
+          <a:bodyPr rtlCol="0" anchor="ctr"/>
+          <a:lstStyle/>
+          <a:p>
+            <a:pPr algn="ctr"/>
+            <a:endParaRPr lang="en-US"/>
+          </a:p>
+        </p:txBody>
+      </p:sp>
+      <p:sp>
+        <p:nvSpPr>
+          <p:cNvPr id="29" name="Google Shape;342;p35">
+            <a:extLst>
+              <a:ext uri="{FF2B5EF4-FFF2-40B4-BE49-F238E27FC236}">
+                <a16:creationId xmlns:a16="http://schemas.microsoft.com/office/drawing/2014/main" id="{80F9651B-58CE-B04C-B6D7-FC00A1D939B0}"/>
+              </a:ext>
+            </a:extLst>
+          </p:cNvPr>
+          <p:cNvSpPr/>
+          <p:nvPr/>
+        </p:nvSpPr>
+        <p:spPr>
+          <a:xfrm rot="15830296">
+            <a:off x="711787" y="3250346"/>
+            <a:ext cx="1302718" cy="307502"/>
+          </a:xfrm>
+          <a:custGeom>
+            <a:avLst/>
+            <a:gdLst/>
+            <a:ahLst/>
+            <a:cxnLst/>
+            <a:rect l="l" t="t" r="r" b="b"/>
+            <a:pathLst>
+              <a:path w="36022" h="7649" extrusionOk="0">
+                <a:moveTo>
+                  <a:pt x="36022" y="7649"/>
+                </a:moveTo>
+                <a:cubicBezTo>
+                  <a:pt x="33598" y="6379"/>
+                  <a:pt x="27479" y="145"/>
+                  <a:pt x="21475" y="29"/>
+                </a:cubicBezTo>
+                <a:cubicBezTo>
+                  <a:pt x="15471" y="-86"/>
+                  <a:pt x="3579" y="5802"/>
+                  <a:pt x="0" y="6956"/>
+                </a:cubicBezTo>
+              </a:path>
+            </a:pathLst>
+          </a:custGeom>
+          <a:noFill/>
+          <a:ln w="66675" cap="flat" cmpd="sng">
+            <a:solidFill>
+              <a:schemeClr val="bg1">
+                <a:lumMod val="50000"/>
+              </a:schemeClr>
+            </a:solidFill>
+            <a:prstDash val="solid"/>
+            <a:round/>
+            <a:headEnd type="none" w="med" len="med"/>
+            <a:tailEnd type="triangle" w="med" len="med"/>
+          </a:ln>
+        </p:spPr>
+      </p:sp>
+      <mc:AlternateContent xmlns:mc="http://schemas.openxmlformats.org/markup-compatibility/2006">
+        <mc:Choice xmlns:a14="http://schemas.microsoft.com/office/drawing/2010/main" Requires="a14">
+          <p:sp>
+            <p:nvSpPr>
+              <p:cNvPr id="8" name="TextBox 7">
+                <a:extLst>
+                  <a:ext uri="{FF2B5EF4-FFF2-40B4-BE49-F238E27FC236}">
+                    <a16:creationId xmlns:a16="http://schemas.microsoft.com/office/drawing/2014/main" id="{41730D2F-A772-7144-ACDD-A2F66638F525}"/>
+                  </a:ext>
+                </a:extLst>
+              </p:cNvPr>
+              <p:cNvSpPr txBox="1"/>
+              <p:nvPr/>
+            </p:nvSpPr>
+            <p:spPr>
+              <a:xfrm>
+                <a:off x="1181492" y="3037411"/>
+                <a:ext cx="287721" cy="569976"/>
+              </a:xfrm>
+              <a:prstGeom prst="rect">
+                <a:avLst/>
+              </a:prstGeom>
+              <a:solidFill>
+                <a:srgbClr val="FFF2CC"/>
+              </a:solidFill>
+              <a:ln>
+                <a:noFill/>
+              </a:ln>
+            </p:spPr>
+            <p:txBody>
+              <a:bodyPr spcFirstLastPara="1" wrap="square" lIns="91425" tIns="91425" rIns="91425" bIns="91425" anchor="ctr" anchorCtr="0">
+                <a:noAutofit/>
+              </a:bodyPr>
+              <a:lstStyle>
+                <a:defPPr>
+                  <a:defRPr lang="en-US"/>
+                </a:defPPr>
+                <a:lvl1pPr algn="ctr">
+                  <a:buClr>
+                    <a:srgbClr val="000000"/>
+                  </a:buClr>
+                  <a:defRPr sz="1400">
+                    <a:solidFill>
+                      <a:srgbClr val="000000"/>
+                    </a:solidFill>
+                    <a:latin typeface="Arial"/>
+                    <a:cs typeface="Arial"/>
+                  </a:defRPr>
+                </a:lvl1pPr>
+              </a:lstStyle>
+              <a:p>
+                <a:pPr/>
+                <a14:m>
+                  <m:oMathPara xmlns:m="http://schemas.openxmlformats.org/officeDocument/2006/math">
+                    <m:oMathParaPr>
+                      <m:jc m:val="centerGroup"/>
+                    </m:oMathParaPr>
+                    <m:oMath xmlns:m="http://schemas.openxmlformats.org/officeDocument/2006/math">
+                      <m:r>
+                        <a:rPr lang="en-US" altLang="zh-CN" sz="4000" b="1" i="1" smtClean="0">
+                          <a:latin typeface="Cambria Math" panose="02040503050406030204" pitchFamily="18" charset="0"/>
+                        </a:rPr>
+                        <m:t>𝒖</m:t>
+                      </m:r>
+                    </m:oMath>
+                  </m:oMathPara>
+                </a14:m>
+                <a:endParaRPr lang="en-US" sz="4000" b="1" i="1" dirty="0"/>
+              </a:p>
+            </p:txBody>
+          </p:sp>
+        </mc:Choice>
+        <mc:Fallback>
+          <p:sp>
+            <p:nvSpPr>
+              <p:cNvPr id="8" name="TextBox 7">
+                <a:extLst>
+                  <a:ext uri="{FF2B5EF4-FFF2-40B4-BE49-F238E27FC236}">
+                    <a16:creationId xmlns:a16="http://schemas.microsoft.com/office/drawing/2014/main" id="{41730D2F-A772-7144-ACDD-A2F66638F525}"/>
+                  </a:ext>
+                </a:extLst>
+              </p:cNvPr>
+              <p:cNvSpPr txBox="1">
+                <a:spLocks noRot="1" noChangeAspect="1" noMove="1" noResize="1" noEditPoints="1" noAdjustHandles="1" noChangeArrowheads="1" noChangeShapeType="1" noTextEdit="1"/>
+              </p:cNvSpPr>
+              <p:nvPr/>
+            </p:nvSpPr>
+            <p:spPr>
+              <a:xfrm>
+                <a:off x="1181492" y="3037411"/>
+                <a:ext cx="287721" cy="569976"/>
+              </a:xfrm>
+              <a:prstGeom prst="rect">
+                <a:avLst/>
+              </a:prstGeom>
+              <a:blipFill>
+                <a:blip r:embed="rId6"/>
+                <a:stretch>
+                  <a:fillRect l="-78261" r="-26087" b="-6522"/>
+                </a:stretch>
+              </a:blipFill>
+              <a:ln>
+                <a:noFill/>
+              </a:ln>
+            </p:spPr>
+            <p:txBody>
+              <a:bodyPr/>
+              <a:lstStyle/>
+              <a:p>
+                <a:r>
+                  <a:rPr lang="en-US">
+                    <a:noFill/>
+                  </a:rPr>
+                  <a:t> </a:t>
+                </a:r>
+              </a:p>
+            </p:txBody>
+          </p:sp>
+        </mc:Fallback>
+      </mc:AlternateContent>
+      <mc:AlternateContent xmlns:mc="http://schemas.openxmlformats.org/markup-compatibility/2006">
+        <mc:Choice xmlns:a14="http://schemas.microsoft.com/office/drawing/2010/main" Requires="a14">
+          <p:sp>
+            <p:nvSpPr>
+              <p:cNvPr id="30" name="Google Shape;376;p36">
+                <a:extLst>
+                  <a:ext uri="{FF2B5EF4-FFF2-40B4-BE49-F238E27FC236}">
+                    <a16:creationId xmlns:a16="http://schemas.microsoft.com/office/drawing/2014/main" id="{F85B3F02-814D-C34A-86A2-B70F38DE4D74}"/>
+                  </a:ext>
+                </a:extLst>
+              </p:cNvPr>
+              <p:cNvSpPr>
+                <a:spLocks noChangeAspect="1"/>
+              </p:cNvSpPr>
+              <p:nvPr/>
+            </p:nvSpPr>
+            <p:spPr>
+              <a:xfrm>
+                <a:off x="3753175" y="3982915"/>
+                <a:ext cx="672309" cy="672309"/>
+              </a:xfrm>
+              <a:prstGeom prst="ellipse">
+                <a:avLst/>
+              </a:prstGeom>
+              <a:solidFill>
+                <a:srgbClr val="D9D2E9"/>
+              </a:solidFill>
+              <a:ln w="50800" cap="flat" cmpd="sng">
+                <a:solidFill>
+                  <a:srgbClr val="8E7CC3"/>
+                </a:solidFill>
+                <a:prstDash val="solid"/>
+                <a:round/>
+                <a:headEnd type="none" w="sm" len="sm"/>
+                <a:tailEnd type="none" w="sm" len="sm"/>
+              </a:ln>
+            </p:spPr>
+            <p:txBody>
+              <a:bodyPr spcFirstLastPara="1" wrap="square" lIns="91425" tIns="91425" rIns="91425" bIns="91425" anchor="ctr" anchorCtr="0">
+                <a:noAutofit/>
+              </a:bodyPr>
+              <a:lstStyle/>
+              <a:p>
+                <a:pPr marL="57150" lvl="0" indent="-57150" algn="ctr"/>
+                <a14:m>
+                  <m:oMathPara xmlns:m="http://schemas.openxmlformats.org/officeDocument/2006/math">
+                    <m:oMathParaPr>
+                      <m:jc m:val="centerGroup"/>
+                    </m:oMathParaPr>
+                    <m:oMath xmlns:m="http://schemas.openxmlformats.org/officeDocument/2006/math">
+                      <m:r>
+                        <a:rPr lang="zh-CN" altLang="en-US" sz="4400" b="0" i="1" smtClean="0">
+                          <a:solidFill>
+                            <a:srgbClr val="FF0000"/>
+                          </a:solidFill>
+                          <a:latin typeface="Cambria Math" panose="02040503050406030204" pitchFamily="18" charset="0"/>
+                        </a:rPr>
+                        <m:t> </m:t>
+                      </m:r>
+                      <m:r>
+                        <a:rPr lang="en-US" altLang="zh-CN" sz="4400" b="1" i="1">
+                          <a:solidFill>
+                            <a:srgbClr val="FF0000"/>
+                          </a:solidFill>
+                          <a:latin typeface="Cambria Math" panose="02040503050406030204" pitchFamily="18" charset="0"/>
+                        </a:rPr>
+                        <m:t>𝜽</m:t>
+                      </m:r>
+                    </m:oMath>
+                  </m:oMathPara>
+                </a14:m>
+                <a:endParaRPr sz="4000" b="1" dirty="0"/>
+              </a:p>
+            </p:txBody>
+          </p:sp>
+        </mc:Choice>
+        <mc:Fallback>
+          <p:sp>
+            <p:nvSpPr>
+              <p:cNvPr id="30" name="Google Shape;376;p36">
+                <a:extLst>
+                  <a:ext uri="{FF2B5EF4-FFF2-40B4-BE49-F238E27FC236}">
+                    <a16:creationId xmlns:a16="http://schemas.microsoft.com/office/drawing/2014/main" id="{F85B3F02-814D-C34A-86A2-B70F38DE4D74}"/>
+                  </a:ext>
+                </a:extLst>
+              </p:cNvPr>
+              <p:cNvSpPr>
+                <a:spLocks noRot="1" noChangeAspect="1" noMove="1" noResize="1" noEditPoints="1" noAdjustHandles="1" noChangeArrowheads="1" noChangeShapeType="1" noTextEdit="1"/>
+              </p:cNvSpPr>
+              <p:nvPr/>
+            </p:nvSpPr>
+            <p:spPr>
+              <a:xfrm>
+                <a:off x="3753175" y="3982915"/>
+                <a:ext cx="672309" cy="672309"/>
+              </a:xfrm>
+              <a:prstGeom prst="ellipse">
+                <a:avLst/>
+              </a:prstGeom>
+              <a:blipFill>
+                <a:blip r:embed="rId7"/>
+                <a:stretch>
+                  <a:fillRect l="-25862" t="-3448" r="-5172" b="-31034"/>
+                </a:stretch>
+              </a:blipFill>
+              <a:ln w="50800" cap="flat" cmpd="sng">
+                <a:solidFill>
+                  <a:srgbClr val="8E7CC3"/>
+                </a:solidFill>
+                <a:prstDash val="solid"/>
+                <a:round/>
+                <a:headEnd type="none" w="sm" len="sm"/>
+                <a:tailEnd type="none" w="sm" len="sm"/>
+              </a:ln>
+            </p:spPr>
+            <p:txBody>
+              <a:bodyPr/>
+              <a:lstStyle/>
+              <a:p>
+                <a:r>
+                  <a:rPr lang="en-US">
+                    <a:noFill/>
+                  </a:rPr>
+                  <a:t> </a:t>
+                </a:r>
+              </a:p>
+            </p:txBody>
+          </p:sp>
+        </mc:Fallback>
+      </mc:AlternateContent>
+      <mc:AlternateContent xmlns:mc="http://schemas.openxmlformats.org/markup-compatibility/2006">
+        <mc:Choice xmlns:a14="http://schemas.microsoft.com/office/drawing/2010/main" Requires="a14">
+          <p:sp>
+            <p:nvSpPr>
+              <p:cNvPr id="31" name="Google Shape;376;p36">
+                <a:extLst>
+                  <a:ext uri="{FF2B5EF4-FFF2-40B4-BE49-F238E27FC236}">
+                    <a16:creationId xmlns:a16="http://schemas.microsoft.com/office/drawing/2014/main" id="{038A7EAF-93B8-5A4D-ABA1-98EB7FFB3BB0}"/>
+                  </a:ext>
+                </a:extLst>
+              </p:cNvPr>
+              <p:cNvSpPr>
+                <a:spLocks noChangeAspect="1"/>
+              </p:cNvSpPr>
+              <p:nvPr/>
+            </p:nvSpPr>
+            <p:spPr>
+              <a:xfrm>
+                <a:off x="3874829" y="1968583"/>
+                <a:ext cx="672309" cy="672309"/>
+              </a:xfrm>
+              <a:prstGeom prst="ellipse">
+                <a:avLst/>
+              </a:prstGeom>
+              <a:solidFill>
+                <a:srgbClr val="D9D2E9"/>
+              </a:solidFill>
+              <a:ln w="50800" cap="flat" cmpd="sng">
+                <a:solidFill>
+                  <a:srgbClr val="8E7CC3"/>
+                </a:solidFill>
+                <a:prstDash val="solid"/>
+                <a:round/>
+                <a:headEnd type="none" w="sm" len="sm"/>
+                <a:tailEnd type="none" w="sm" len="sm"/>
+              </a:ln>
+            </p:spPr>
+            <p:txBody>
+              <a:bodyPr spcFirstLastPara="1" wrap="square" lIns="91425" tIns="91425" rIns="91425" bIns="91425" anchor="ctr" anchorCtr="0">
+                <a:noAutofit/>
+              </a:bodyPr>
+              <a:lstStyle/>
+              <a:p>
+                <a:pPr marL="57150" lvl="0" indent="-57150" algn="ctr"/>
+                <a14:m>
+                  <m:oMathPara xmlns:m="http://schemas.openxmlformats.org/officeDocument/2006/math">
+                    <m:oMathParaPr>
+                      <m:jc m:val="centerGroup"/>
+                    </m:oMathParaPr>
+                    <m:oMath xmlns:m="http://schemas.openxmlformats.org/officeDocument/2006/math">
+                      <m:r>
+                        <a:rPr lang="zh-CN" altLang="en-US" sz="4400" b="0" i="1" smtClean="0">
+                          <a:solidFill>
+                            <a:srgbClr val="FF0000"/>
+                          </a:solidFill>
+                          <a:latin typeface="Cambria Math" panose="02040503050406030204" pitchFamily="18" charset="0"/>
+                        </a:rPr>
+                        <m:t> </m:t>
+                      </m:r>
+                      <m:r>
+                        <a:rPr lang="en-US" altLang="zh-CN" sz="4400" b="1" i="1">
+                          <a:solidFill>
+                            <a:srgbClr val="FF0000"/>
+                          </a:solidFill>
+                          <a:latin typeface="Cambria Math" panose="02040503050406030204" pitchFamily="18" charset="0"/>
+                        </a:rPr>
+                        <m:t>𝜽</m:t>
+                      </m:r>
+                    </m:oMath>
+                  </m:oMathPara>
+                </a14:m>
+                <a:endParaRPr sz="4000" b="1" dirty="0"/>
+              </a:p>
+            </p:txBody>
+          </p:sp>
+        </mc:Choice>
+        <mc:Fallback>
+          <p:sp>
+            <p:nvSpPr>
+              <p:cNvPr id="31" name="Google Shape;376;p36">
+                <a:extLst>
+                  <a:ext uri="{FF2B5EF4-FFF2-40B4-BE49-F238E27FC236}">
+                    <a16:creationId xmlns:a16="http://schemas.microsoft.com/office/drawing/2014/main" id="{038A7EAF-93B8-5A4D-ABA1-98EB7FFB3BB0}"/>
+                  </a:ext>
+                </a:extLst>
+              </p:cNvPr>
+              <p:cNvSpPr>
+                <a:spLocks noRot="1" noChangeAspect="1" noMove="1" noResize="1" noEditPoints="1" noAdjustHandles="1" noChangeArrowheads="1" noChangeShapeType="1" noTextEdit="1"/>
+              </p:cNvSpPr>
+              <p:nvPr/>
+            </p:nvSpPr>
+            <p:spPr>
+              <a:xfrm>
+                <a:off x="3874829" y="1968583"/>
+                <a:ext cx="672309" cy="672309"/>
+              </a:xfrm>
+              <a:prstGeom prst="ellipse">
+                <a:avLst/>
+              </a:prstGeom>
+              <a:blipFill>
+                <a:blip r:embed="rId8"/>
+                <a:stretch>
+                  <a:fillRect l="-26316" t="-5263" r="-5263" b="-33333"/>
+                </a:stretch>
+              </a:blipFill>
+              <a:ln w="50800" cap="flat" cmpd="sng">
+                <a:solidFill>
+                  <a:srgbClr val="8E7CC3"/>
+                </a:solidFill>
+                <a:prstDash val="solid"/>
+                <a:round/>
+                <a:headEnd type="none" w="sm" len="sm"/>
+                <a:tailEnd type="none" w="sm" len="sm"/>
+              </a:ln>
+            </p:spPr>
+            <p:txBody>
+              <a:bodyPr/>
+              <a:lstStyle/>
+              <a:p>
+                <a:r>
+                  <a:rPr lang="en-US">
+                    <a:noFill/>
+                  </a:rPr>
+                  <a:t> </a:t>
+                </a:r>
+              </a:p>
+            </p:txBody>
+          </p:sp>
+        </mc:Fallback>
+      </mc:AlternateContent>
+      <mc:AlternateContent xmlns:mc="http://schemas.openxmlformats.org/markup-compatibility/2006">
+        <mc:Choice xmlns:a14="http://schemas.microsoft.com/office/drawing/2010/main" Requires="a14">
+          <p:sp>
+            <p:nvSpPr>
+              <p:cNvPr id="32" name="Google Shape;376;p36">
+                <a:extLst>
+                  <a:ext uri="{FF2B5EF4-FFF2-40B4-BE49-F238E27FC236}">
+                    <a16:creationId xmlns:a16="http://schemas.microsoft.com/office/drawing/2014/main" id="{8A24A1B4-A3A3-FF4E-AE2F-AB56BB965284}"/>
+                  </a:ext>
+                </a:extLst>
+              </p:cNvPr>
+              <p:cNvSpPr>
+                <a:spLocks noChangeAspect="1"/>
+              </p:cNvSpPr>
+              <p:nvPr/>
+            </p:nvSpPr>
+            <p:spPr>
+              <a:xfrm>
+                <a:off x="4425484" y="347523"/>
+                <a:ext cx="731520" cy="731520"/>
+              </a:xfrm>
+              <a:prstGeom prst="ellipse">
+                <a:avLst/>
+              </a:prstGeom>
+              <a:solidFill>
+                <a:srgbClr val="D9D2E9"/>
+              </a:solidFill>
+              <a:ln w="50800" cap="flat" cmpd="sng">
+                <a:solidFill>
+                  <a:srgbClr val="8E7CC3"/>
+                </a:solidFill>
+                <a:prstDash val="solid"/>
+                <a:round/>
+                <a:headEnd type="none" w="sm" len="sm"/>
+                <a:tailEnd type="none" w="sm" len="sm"/>
+              </a:ln>
+            </p:spPr>
+            <p:txBody>
+              <a:bodyPr spcFirstLastPara="1" wrap="square" lIns="91425" tIns="91425" rIns="91425" bIns="91425" anchor="ctr" anchorCtr="0">
+                <a:noAutofit/>
+              </a:bodyPr>
+              <a:lstStyle/>
+              <a:p>
+                <a:pPr marL="57150" lvl="0" indent="-57150" algn="ctr"/>
+                <a14:m>
+                  <m:oMathPara xmlns:m="http://schemas.openxmlformats.org/officeDocument/2006/math">
+                    <m:oMathParaPr>
+                      <m:jc m:val="centerGroup"/>
+                    </m:oMathParaPr>
+                    <m:oMath xmlns:m="http://schemas.openxmlformats.org/officeDocument/2006/math">
+                      <m:r>
+                        <a:rPr lang="zh-CN" altLang="en-US" sz="4400" b="0" i="1" smtClean="0">
+                          <a:solidFill>
+                            <a:srgbClr val="FF0000"/>
+                          </a:solidFill>
+                          <a:latin typeface="Cambria Math" panose="02040503050406030204" pitchFamily="18" charset="0"/>
+                        </a:rPr>
+                        <m:t> </m:t>
+                      </m:r>
+                      <m:r>
+                        <a:rPr lang="en-US" altLang="zh-CN" sz="4400" b="1" i="1">
+                          <a:solidFill>
+                            <a:srgbClr val="FF0000"/>
+                          </a:solidFill>
+                          <a:latin typeface="Cambria Math" panose="02040503050406030204" pitchFamily="18" charset="0"/>
+                        </a:rPr>
+                        <m:t>𝜽</m:t>
+                      </m:r>
+                    </m:oMath>
+                  </m:oMathPara>
+                </a14:m>
+                <a:endParaRPr sz="4000" b="1" dirty="0"/>
+              </a:p>
+            </p:txBody>
+          </p:sp>
+        </mc:Choice>
+        <mc:Fallback>
+          <p:sp>
+            <p:nvSpPr>
+              <p:cNvPr id="32" name="Google Shape;376;p36">
+                <a:extLst>
+                  <a:ext uri="{FF2B5EF4-FFF2-40B4-BE49-F238E27FC236}">
+                    <a16:creationId xmlns:a16="http://schemas.microsoft.com/office/drawing/2014/main" id="{8A24A1B4-A3A3-FF4E-AE2F-AB56BB965284}"/>
+                  </a:ext>
+                </a:extLst>
+              </p:cNvPr>
+              <p:cNvSpPr>
+                <a:spLocks noRot="1" noChangeAspect="1" noMove="1" noResize="1" noEditPoints="1" noAdjustHandles="1" noChangeArrowheads="1" noChangeShapeType="1" noTextEdit="1"/>
+              </p:cNvSpPr>
+              <p:nvPr/>
+            </p:nvSpPr>
+            <p:spPr>
+              <a:xfrm>
+                <a:off x="4425484" y="347523"/>
+                <a:ext cx="731520" cy="731520"/>
+              </a:xfrm>
+              <a:prstGeom prst="ellipse">
+                <a:avLst/>
+              </a:prstGeom>
+              <a:blipFill>
+                <a:blip r:embed="rId9"/>
+                <a:stretch>
+                  <a:fillRect l="-20635" b="-25806"/>
+                </a:stretch>
+              </a:blipFill>
+              <a:ln w="50800" cap="flat" cmpd="sng">
+                <a:solidFill>
+                  <a:srgbClr val="8E7CC3"/>
+                </a:solidFill>
+                <a:prstDash val="solid"/>
+                <a:round/>
+                <a:headEnd type="none" w="sm" len="sm"/>
+                <a:tailEnd type="none" w="sm" len="sm"/>
+              </a:ln>
+            </p:spPr>
+            <p:txBody>
+              <a:bodyPr/>
+              <a:lstStyle/>
+              <a:p>
+                <a:r>
+                  <a:rPr lang="en-US">
+                    <a:noFill/>
+                  </a:rPr>
+                  <a:t> </a:t>
+                </a:r>
+              </a:p>
+            </p:txBody>
+          </p:sp>
+        </mc:Fallback>
+      </mc:AlternateContent>
+      <p:sp>
+        <p:nvSpPr>
+          <p:cNvPr id="33" name="Right Arrow 32">
+            <a:extLst>
+              <a:ext uri="{FF2B5EF4-FFF2-40B4-BE49-F238E27FC236}">
+                <a16:creationId xmlns:a16="http://schemas.microsoft.com/office/drawing/2014/main" id="{22F5B448-2594-2548-8C13-BE0EF386B87A}"/>
+              </a:ext>
+            </a:extLst>
+          </p:cNvPr>
+          <p:cNvSpPr/>
+          <p:nvPr/>
+        </p:nvSpPr>
+        <p:spPr>
+          <a:xfrm rot="5400000">
+            <a:off x="2855205" y="1576840"/>
+            <a:ext cx="334751" cy="570395"/>
           </a:xfrm>
           <a:prstGeom prst="rightArrow">
             <a:avLst>
-              <a:gd name="adj1" fmla="val 50000"/>
-              <a:gd name="adj2" fmla="val 76923"/>
+              <a:gd name="adj1" fmla="val 35095"/>
+              <a:gd name="adj2" fmla="val 50730"/>
+            </a:avLst>
+          </a:prstGeom>
+          <a:solidFill>
+            <a:schemeClr val="tx1">
+              <a:alpha val="50000"/>
+            </a:schemeClr>
+          </a:solidFill>
+          <a:ln>
+            <a:noFill/>
+          </a:ln>
+        </p:spPr>
+        <p:style>
+          <a:lnRef idx="2">
+            <a:schemeClr val="accent1">
+              <a:shade val="50000"/>
+            </a:schemeClr>
+          </a:lnRef>
+          <a:fillRef idx="1">
+            <a:schemeClr val="accent1"/>
+          </a:fillRef>
+          <a:effectRef idx="0">
+            <a:schemeClr val="accent1"/>
+          </a:effectRef>
+          <a:fontRef idx="minor">
+            <a:schemeClr val="lt1"/>
+          </a:fontRef>
+        </p:style>
+        <p:txBody>
+          <a:bodyPr rtlCol="0" anchor="ctr"/>
+          <a:lstStyle/>
+          <a:p>
+            <a:pPr algn="ctr"/>
+            <a:endParaRPr lang="en-US"/>
+          </a:p>
+        </p:txBody>
+      </p:sp>
+      <p:sp>
+        <p:nvSpPr>
+          <p:cNvPr id="34" name="Right Arrow 33">
+            <a:extLst>
+              <a:ext uri="{FF2B5EF4-FFF2-40B4-BE49-F238E27FC236}">
+                <a16:creationId xmlns:a16="http://schemas.microsoft.com/office/drawing/2014/main" id="{9DDA6ABA-0186-744C-9F0B-470A939F37A8}"/>
+              </a:ext>
+            </a:extLst>
+          </p:cNvPr>
+          <p:cNvSpPr/>
+          <p:nvPr/>
+        </p:nvSpPr>
+        <p:spPr>
+          <a:xfrm>
+            <a:off x="7139676" y="3179777"/>
+            <a:ext cx="334751" cy="570395"/>
+          </a:xfrm>
+          <a:prstGeom prst="rightArrow">
+            <a:avLst>
+              <a:gd name="adj1" fmla="val 35095"/>
+              <a:gd name="adj2" fmla="val 50730"/>
             </a:avLst>
           </a:prstGeom>
           <a:solidFill>
